--- a/The Pursuit of Hoppiness.pptx
+++ b/The Pursuit of Hoppiness.pptx
@@ -6,25 +6,30 @@
   </p:sldMasterIdLst>
   <p:sldIdLst>
     <p:sldId id="256" r:id="rId2"/>
-    <p:sldId id="257" r:id="rId3"/>
+    <p:sldId id="289" r:id="rId3"/>
     <p:sldId id="268" r:id="rId4"/>
     <p:sldId id="275" r:id="rId5"/>
-    <p:sldId id="269" r:id="rId6"/>
-    <p:sldId id="276" r:id="rId7"/>
-    <p:sldId id="286" r:id="rId8"/>
-    <p:sldId id="270" r:id="rId9"/>
-    <p:sldId id="278" r:id="rId10"/>
-    <p:sldId id="271" r:id="rId11"/>
-    <p:sldId id="279" r:id="rId12"/>
+    <p:sldId id="290" r:id="rId6"/>
+    <p:sldId id="294" r:id="rId7"/>
+    <p:sldId id="291" r:id="rId8"/>
+    <p:sldId id="302" r:id="rId9"/>
+    <p:sldId id="270" r:id="rId10"/>
+    <p:sldId id="278" r:id="rId11"/>
+    <p:sldId id="271" r:id="rId12"/>
     <p:sldId id="280" r:id="rId13"/>
-    <p:sldId id="272" r:id="rId14"/>
-    <p:sldId id="281" r:id="rId15"/>
-    <p:sldId id="282" r:id="rId16"/>
-    <p:sldId id="273" r:id="rId17"/>
-    <p:sldId id="283" r:id="rId18"/>
-    <p:sldId id="274" r:id="rId19"/>
-    <p:sldId id="284" r:id="rId20"/>
-    <p:sldId id="285" r:id="rId21"/>
+    <p:sldId id="296" r:id="rId14"/>
+    <p:sldId id="279" r:id="rId15"/>
+    <p:sldId id="272" r:id="rId16"/>
+    <p:sldId id="299" r:id="rId17"/>
+    <p:sldId id="297" r:id="rId18"/>
+    <p:sldId id="298" r:id="rId19"/>
+    <p:sldId id="273" r:id="rId20"/>
+    <p:sldId id="283" r:id="rId21"/>
+    <p:sldId id="274" r:id="rId22"/>
+    <p:sldId id="284" r:id="rId23"/>
+    <p:sldId id="300" r:id="rId24"/>
+    <p:sldId id="301" r:id="rId25"/>
+    <p:sldId id="285" r:id="rId26"/>
   </p:sldIdLst>
   <p:sldSz cx="12192000" cy="6858000"/>
   <p:notesSz cx="6858000" cy="9144000"/>
@@ -123,6 +128,11 @@
       </a:defRPr>
     </a:lvl9pPr>
   </p:defaultTextStyle>
+  <p:extLst>
+    <p:ext uri="{EFAFB233-063F-42B5-8137-9DF3F51BA10A}">
+      <p15:sldGuideLst xmlns:p15="http://schemas.microsoft.com/office/powerpoint/2012/main"/>
+    </p:ext>
+  </p:extLst>
 </p:presentation>
 </file>
 
@@ -160,7 +170,11 @@
               </a:defRPr>
             </a:pPr>
             <a:r>
-              <a:rPr lang="en-US" dirty="0"/>
+              <a:rPr lang="en-US" sz="2000" dirty="0">
+                <a:solidFill>
+                  <a:schemeClr val="tx1"/>
+                </a:solidFill>
+              </a:rPr>
               <a:t>Number of Breweries Per State</a:t>
             </a:r>
           </a:p>
@@ -599,10 +613,7 @@
             <a:pPr>
               <a:defRPr sz="1197" b="0" i="0" u="none" strike="noStrike" kern="1200" baseline="0">
                 <a:solidFill>
-                  <a:schemeClr val="tx1">
-                    <a:lumMod val="65000"/>
-                    <a:lumOff val="35000"/>
-                  </a:schemeClr>
+                  <a:schemeClr val="tx1"/>
                 </a:solidFill>
                 <a:latin typeface="+mn-lt"/>
                 <a:ea typeface="+mn-ea"/>
@@ -658,10 +669,7 @@
             <a:pPr>
               <a:defRPr sz="1197" b="0" i="0" u="none" strike="noStrike" kern="1200" baseline="0">
                 <a:solidFill>
-                  <a:schemeClr val="tx1">
-                    <a:lumMod val="65000"/>
-                    <a:lumOff val="35000"/>
-                  </a:schemeClr>
+                  <a:schemeClr val="tx1"/>
                 </a:solidFill>
                 <a:latin typeface="+mn-lt"/>
                 <a:ea typeface="+mn-ea"/>
@@ -1623,7 +1631,7 @@
             <a:fld id="{B61BEF0D-F0BB-DE4B-95CE-6DB70DBA9567}" type="datetimeFigureOut">
               <a:rPr lang="en-US" dirty="0"/>
               <a:pPr/>
-              <a:t>10/9/2018</a:t>
+              <a:t>10/15/2018</a:t>
             </a:fld>
             <a:endParaRPr lang="en-US" dirty="0"/>
           </a:p>
@@ -1852,10 +1860,9 @@
           </a:lstStyle>
           <a:p>
             <a:r>
-              <a:rPr lang="en-US"/>
+              <a:rPr lang="en-US" dirty="0"/>
               <a:t>Click icon to add picture</a:t>
             </a:r>
-            <a:endParaRPr lang="en-US" dirty="0"/>
           </a:p>
         </p:txBody>
       </p:sp>
@@ -1944,7 +1951,7 @@
             <a:fld id="{B61BEF0D-F0BB-DE4B-95CE-6DB70DBA9567}" type="datetimeFigureOut">
               <a:rPr lang="en-US" dirty="0"/>
               <a:pPr/>
-              <a:t>10/9/2018</a:t>
+              <a:t>10/15/2018</a:t>
             </a:fld>
             <a:endParaRPr lang="en-US" dirty="0"/>
           </a:p>
@@ -2189,7 +2196,7 @@
             <a:fld id="{B61BEF0D-F0BB-DE4B-95CE-6DB70DBA9567}" type="datetimeFigureOut">
               <a:rPr lang="en-US" dirty="0"/>
               <a:pPr/>
-              <a:t>10/9/2018</a:t>
+              <a:t>10/15/2018</a:t>
             </a:fld>
             <a:endParaRPr lang="en-US" dirty="0"/>
           </a:p>
@@ -2525,7 +2532,7 @@
             <a:fld id="{B61BEF0D-F0BB-DE4B-95CE-6DB70DBA9567}" type="datetimeFigureOut">
               <a:rPr lang="en-US" dirty="0"/>
               <a:pPr/>
-              <a:t>10/9/2018</a:t>
+              <a:t>10/15/2018</a:t>
             </a:fld>
             <a:endParaRPr lang="en-US" dirty="0"/>
           </a:p>
@@ -2869,7 +2876,7 @@
             <a:fld id="{B61BEF0D-F0BB-DE4B-95CE-6DB70DBA9567}" type="datetimeFigureOut">
               <a:rPr lang="en-US" dirty="0"/>
               <a:pPr/>
-              <a:t>10/9/2018</a:t>
+              <a:t>10/15/2018</a:t>
             </a:fld>
             <a:endParaRPr lang="en-US" dirty="0"/>
           </a:p>
@@ -3240,7 +3247,7 @@
             <a:fld id="{B61BEF0D-F0BB-DE4B-95CE-6DB70DBA9567}" type="datetimeFigureOut">
               <a:rPr lang="en-US" dirty="0"/>
               <a:pPr/>
-              <a:t>10/9/2018</a:t>
+              <a:t>10/15/2018</a:t>
             </a:fld>
             <a:endParaRPr lang="en-US" dirty="0"/>
           </a:p>
@@ -3707,7 +3714,7 @@
             <a:fld id="{B61BEF0D-F0BB-DE4B-95CE-6DB70DBA9567}" type="datetimeFigureOut">
               <a:rPr lang="en-US" dirty="0"/>
               <a:pPr/>
-              <a:t>10/9/2018</a:t>
+              <a:t>10/15/2018</a:t>
             </a:fld>
             <a:endParaRPr lang="en-US" dirty="0"/>
           </a:p>
@@ -3909,7 +3916,7 @@
             <a:fld id="{B61BEF0D-F0BB-DE4B-95CE-6DB70DBA9567}" type="datetimeFigureOut">
               <a:rPr lang="en-US" dirty="0"/>
               <a:pPr/>
-              <a:t>10/9/2018</a:t>
+              <a:t>10/15/2018</a:t>
             </a:fld>
             <a:endParaRPr lang="en-US" dirty="0"/>
           </a:p>
@@ -4117,7 +4124,7 @@
             <a:fld id="{B61BEF0D-F0BB-DE4B-95CE-6DB70DBA9567}" type="datetimeFigureOut">
               <a:rPr lang="en-US" dirty="0"/>
               <a:pPr/>
-              <a:t>10/9/2018</a:t>
+              <a:t>10/15/2018</a:t>
             </a:fld>
             <a:endParaRPr lang="en-US" dirty="0"/>
           </a:p>
@@ -4345,7 +4352,7 @@
           <a:p>
             <a:fld id="{05BFA754-D5C3-4E66-96A6-867B257F58DC}" type="datetimeFigureOut">
               <a:rPr lang="en-US" dirty="0"/>
-              <a:t>10/9/2018</a:t>
+              <a:t>10/15/2018</a:t>
             </a:fld>
             <a:endParaRPr lang="en-US" dirty="0"/>
           </a:p>
@@ -4589,7 +4596,7 @@
             <a:fld id="{B61BEF0D-F0BB-DE4B-95CE-6DB70DBA9567}" type="datetimeFigureOut">
               <a:rPr lang="en-US" dirty="0"/>
               <a:pPr/>
-              <a:t>10/9/2018</a:t>
+              <a:t>10/15/2018</a:t>
             </a:fld>
             <a:endParaRPr lang="en-US" dirty="0"/>
           </a:p>
@@ -4852,7 +4859,7 @@
           <a:p>
             <a:fld id="{05BFA754-D5C3-4E66-96A6-867B257F58DC}" type="datetimeFigureOut">
               <a:rPr lang="en-US" dirty="0"/>
-              <a:t>10/9/2018</a:t>
+              <a:t>10/15/2018</a:t>
             </a:fld>
             <a:endParaRPr lang="en-US" dirty="0"/>
           </a:p>
@@ -5261,7 +5268,7 @@
             <a:fld id="{B61BEF0D-F0BB-DE4B-95CE-6DB70DBA9567}" type="datetimeFigureOut">
               <a:rPr lang="en-US" dirty="0"/>
               <a:pPr/>
-              <a:t>10/9/2018</a:t>
+              <a:t>10/15/2018</a:t>
             </a:fld>
             <a:endParaRPr lang="en-US" dirty="0"/>
           </a:p>
@@ -5407,7 +5414,7 @@
             <a:fld id="{B61BEF0D-F0BB-DE4B-95CE-6DB70DBA9567}" type="datetimeFigureOut">
               <a:rPr lang="en-US" dirty="0"/>
               <a:pPr/>
-              <a:t>10/9/2018</a:t>
+              <a:t>10/15/2018</a:t>
             </a:fld>
             <a:endParaRPr lang="en-US" dirty="0"/>
           </a:p>
@@ -5530,7 +5537,7 @@
             <a:fld id="{B61BEF0D-F0BB-DE4B-95CE-6DB70DBA9567}" type="datetimeFigureOut">
               <a:rPr lang="en-US" dirty="0"/>
               <a:pPr/>
-              <a:t>10/9/2018</a:t>
+              <a:t>10/15/2018</a:t>
             </a:fld>
             <a:endParaRPr lang="en-US" dirty="0"/>
           </a:p>
@@ -5782,7 +5789,7 @@
             <a:fld id="{B61BEF0D-F0BB-DE4B-95CE-6DB70DBA9567}" type="datetimeFigureOut">
               <a:rPr lang="en-US" dirty="0"/>
               <a:pPr/>
-              <a:t>10/9/2018</a:t>
+              <a:t>10/15/2018</a:t>
             </a:fld>
             <a:endParaRPr lang="en-US" dirty="0"/>
           </a:p>
@@ -6002,10 +6009,9 @@
           </a:lstStyle>
           <a:p>
             <a:r>
-              <a:rPr lang="en-US"/>
+              <a:rPr lang="en-US" dirty="0"/>
               <a:t>Click icon to add picture</a:t>
             </a:r>
-            <a:endParaRPr lang="en-US" dirty="0"/>
           </a:p>
         </p:txBody>
       </p:sp>
@@ -6094,7 +6100,7 @@
             <a:fld id="{B61BEF0D-F0BB-DE4B-95CE-6DB70DBA9567}" type="datetimeFigureOut">
               <a:rPr lang="en-US" dirty="0"/>
               <a:pPr/>
-              <a:t>10/9/2018</a:t>
+              <a:t>10/15/2018</a:t>
             </a:fld>
             <a:endParaRPr lang="en-US" dirty="0"/>
           </a:p>
@@ -6442,7 +6448,7 @@
             <a:fld id="{B61BEF0D-F0BB-DE4B-95CE-6DB70DBA9567}" type="datetimeFigureOut">
               <a:rPr lang="en-US" dirty="0"/>
               <a:pPr/>
-              <a:t>10/9/2018</a:t>
+              <a:t>10/15/2018</a:t>
             </a:fld>
             <a:endParaRPr lang="en-US" dirty="0"/>
           </a:p>
@@ -7004,13 +7010,8 @@
           <a:p>
             <a:r>
               <a:rPr lang="en-US" sz="5000" dirty="0"/>
-              <a:t>The Pursuit of </a:t>
+              <a:t>The Pursuit of Hoppiness</a:t>
             </a:r>
-            <a:r>
-              <a:rPr lang="en-US" sz="5000" dirty="0" err="1"/>
-              <a:t>Hoppiness</a:t>
-            </a:r>
-            <a:endParaRPr lang="en-US" sz="5000" dirty="0"/>
           </a:p>
         </p:txBody>
       </p:sp>
@@ -7037,15 +7038,7 @@
           <a:p>
             <a:r>
               <a:rPr lang="en-US" dirty="0"/>
-              <a:t>Presented by: Hannah </a:t>
-            </a:r>
-            <a:r>
-              <a:rPr lang="en-US" dirty="0" err="1"/>
-              <a:t>Kosinovsky</a:t>
-            </a:r>
-            <a:r>
-              <a:rPr lang="en-US" dirty="0"/>
-              <a:t>, John Yan, David Nguyen</a:t>
+              <a:t>Presented by: Hannah Kosinovsky, John Yan, &amp; David Nguyen</a:t>
             </a:r>
           </a:p>
         </p:txBody>
@@ -7064,6 +7057,551 @@
 </file>
 
 <file path=ppt/slides/slide10.xml><?xml version="1.0" encoding="utf-8"?>
+<p:sld xmlns:a="http://schemas.openxmlformats.org/drawingml/2006/main" xmlns:r="http://schemas.openxmlformats.org/officeDocument/2006/relationships" xmlns:p="http://schemas.openxmlformats.org/presentationml/2006/main">
+  <p:cSld>
+    <p:spTree>
+      <p:nvGrpSpPr>
+        <p:cNvPr id="1" name=""/>
+        <p:cNvGrpSpPr/>
+        <p:nvPr/>
+      </p:nvGrpSpPr>
+      <p:grpSpPr>
+        <a:xfrm>
+          <a:off x="0" y="0"/>
+          <a:ext cx="0" cy="0"/>
+          <a:chOff x="0" y="0"/>
+          <a:chExt cx="0" cy="0"/>
+        </a:xfrm>
+      </p:grpSpPr>
+      <p:graphicFrame>
+        <p:nvGraphicFramePr>
+          <p:cNvPr id="2" name="Table 1">
+            <a:extLst>
+              <a:ext uri="{FF2B5EF4-FFF2-40B4-BE49-F238E27FC236}">
+                <a16:creationId xmlns:a16="http://schemas.microsoft.com/office/drawing/2014/main" id="{66A113AA-9811-4636-B308-67E682A63ABD}"/>
+              </a:ext>
+            </a:extLst>
+          </p:cNvPr>
+          <p:cNvGraphicFramePr>
+            <a:graphicFrameLocks noGrp="1"/>
+          </p:cNvGraphicFramePr>
+          <p:nvPr>
+            <p:extLst>
+              <p:ext uri="{D42A27DB-BD31-4B8C-83A1-F6EECF244321}">
+                <p14:modId xmlns:p14="http://schemas.microsoft.com/office/powerpoint/2010/main" val="3857969679"/>
+              </p:ext>
+            </p:extLst>
+          </p:nvPr>
+        </p:nvGraphicFramePr>
+        <p:xfrm>
+          <a:off x="667130" y="2984500"/>
+          <a:ext cx="10857740" cy="889000"/>
+        </p:xfrm>
+        <a:graphic>
+          <a:graphicData uri="http://schemas.openxmlformats.org/drawingml/2006/table">
+            <a:tbl>
+              <a:tblPr firstRow="1" bandRow="1">
+                <a:tableStyleId>{5C22544A-7EE6-4342-B048-85BDC9FD1C3A}</a:tableStyleId>
+              </a:tblPr>
+              <a:tblGrid>
+                <a:gridCol w="1085774">
+                  <a:extLst>
+                    <a:ext uri="{9D8B030D-6E8A-4147-A177-3AD203B41FA5}">
+                      <a16:colId xmlns:a16="http://schemas.microsoft.com/office/drawing/2014/main" val="2566030041"/>
+                    </a:ext>
+                  </a:extLst>
+                </a:gridCol>
+                <a:gridCol w="1085774">
+                  <a:extLst>
+                    <a:ext uri="{9D8B030D-6E8A-4147-A177-3AD203B41FA5}">
+                      <a16:colId xmlns:a16="http://schemas.microsoft.com/office/drawing/2014/main" val="2211153453"/>
+                    </a:ext>
+                  </a:extLst>
+                </a:gridCol>
+                <a:gridCol w="1085774">
+                  <a:extLst>
+                    <a:ext uri="{9D8B030D-6E8A-4147-A177-3AD203B41FA5}">
+                      <a16:colId xmlns:a16="http://schemas.microsoft.com/office/drawing/2014/main" val="3466258242"/>
+                    </a:ext>
+                  </a:extLst>
+                </a:gridCol>
+                <a:gridCol w="1085774">
+                  <a:extLst>
+                    <a:ext uri="{9D8B030D-6E8A-4147-A177-3AD203B41FA5}">
+                      <a16:colId xmlns:a16="http://schemas.microsoft.com/office/drawing/2014/main" val="909274690"/>
+                    </a:ext>
+                  </a:extLst>
+                </a:gridCol>
+                <a:gridCol w="1085774">
+                  <a:extLst>
+                    <a:ext uri="{9D8B030D-6E8A-4147-A177-3AD203B41FA5}">
+                      <a16:colId xmlns:a16="http://schemas.microsoft.com/office/drawing/2014/main" val="99248468"/>
+                    </a:ext>
+                  </a:extLst>
+                </a:gridCol>
+                <a:gridCol w="1085774">
+                  <a:extLst>
+                    <a:ext uri="{9D8B030D-6E8A-4147-A177-3AD203B41FA5}">
+                      <a16:colId xmlns:a16="http://schemas.microsoft.com/office/drawing/2014/main" val="3763139794"/>
+                    </a:ext>
+                  </a:extLst>
+                </a:gridCol>
+                <a:gridCol w="1085774">
+                  <a:extLst>
+                    <a:ext uri="{9D8B030D-6E8A-4147-A177-3AD203B41FA5}">
+                      <a16:colId xmlns:a16="http://schemas.microsoft.com/office/drawing/2014/main" val="1661038780"/>
+                    </a:ext>
+                  </a:extLst>
+                </a:gridCol>
+                <a:gridCol w="1085774">
+                  <a:extLst>
+                    <a:ext uri="{9D8B030D-6E8A-4147-A177-3AD203B41FA5}">
+                      <a16:colId xmlns:a16="http://schemas.microsoft.com/office/drawing/2014/main" val="728328690"/>
+                    </a:ext>
+                  </a:extLst>
+                </a:gridCol>
+                <a:gridCol w="1085774">
+                  <a:extLst>
+                    <a:ext uri="{9D8B030D-6E8A-4147-A177-3AD203B41FA5}">
+                      <a16:colId xmlns:a16="http://schemas.microsoft.com/office/drawing/2014/main" val="2816348373"/>
+                    </a:ext>
+                  </a:extLst>
+                </a:gridCol>
+                <a:gridCol w="1085774">
+                  <a:extLst>
+                    <a:ext uri="{9D8B030D-6E8A-4147-A177-3AD203B41FA5}">
+                      <a16:colId xmlns:a16="http://schemas.microsoft.com/office/drawing/2014/main" val="1549205794"/>
+                    </a:ext>
+                  </a:extLst>
+                </a:gridCol>
+              </a:tblGrid>
+              <a:tr h="370840">
+                <a:tc>
+                  <a:txBody>
+                    <a:bodyPr/>
+                    <a:lstStyle/>
+                    <a:p>
+                      <a:r>
+                        <a:rPr lang="en-US" sz="1400" dirty="0">
+                          <a:effectLst/>
+                        </a:rPr>
+                        <a:t>Brewery ID</a:t>
+                      </a:r>
+                      <a:endParaRPr lang="en-US" sz="1400" dirty="0"/>
+                    </a:p>
+                  </a:txBody>
+                  <a:tcPr/>
+                </a:tc>
+                <a:tc>
+                  <a:txBody>
+                    <a:bodyPr/>
+                    <a:lstStyle/>
+                    <a:p>
+                      <a:r>
+                        <a:rPr lang="en-US" sz="1400" dirty="0">
+                          <a:effectLst/>
+                        </a:rPr>
+                        <a:t>Beer Name</a:t>
+                      </a:r>
+                      <a:endParaRPr lang="en-US" sz="1400" dirty="0"/>
+                    </a:p>
+                  </a:txBody>
+                  <a:tcPr/>
+                </a:tc>
+                <a:tc>
+                  <a:txBody>
+                    <a:bodyPr/>
+                    <a:lstStyle/>
+                    <a:p>
+                      <a:r>
+                        <a:rPr lang="en-US" sz="1400" dirty="0"/>
+                        <a:t>Beer ID</a:t>
+                      </a:r>
+                    </a:p>
+                  </a:txBody>
+                  <a:tcPr/>
+                </a:tc>
+                <a:tc>
+                  <a:txBody>
+                    <a:bodyPr/>
+                    <a:lstStyle/>
+                    <a:p>
+                      <a:r>
+                        <a:rPr lang="en-US" sz="1400" dirty="0"/>
+                        <a:t>ABV</a:t>
+                      </a:r>
+                    </a:p>
+                  </a:txBody>
+                  <a:tcPr/>
+                </a:tc>
+                <a:tc>
+                  <a:txBody>
+                    <a:bodyPr/>
+                    <a:lstStyle/>
+                    <a:p>
+                      <a:r>
+                        <a:rPr lang="en-US" sz="1400" dirty="0"/>
+                        <a:t>IBU</a:t>
+                      </a:r>
+                    </a:p>
+                  </a:txBody>
+                  <a:tcPr/>
+                </a:tc>
+                <a:tc>
+                  <a:txBody>
+                    <a:bodyPr/>
+                    <a:lstStyle/>
+                    <a:p>
+                      <a:r>
+                        <a:rPr lang="en-US" sz="1400" dirty="0"/>
+                        <a:t>Style</a:t>
+                      </a:r>
+                    </a:p>
+                  </a:txBody>
+                  <a:tcPr/>
+                </a:tc>
+                <a:tc>
+                  <a:txBody>
+                    <a:bodyPr/>
+                    <a:lstStyle/>
+                    <a:p>
+                      <a:r>
+                        <a:rPr lang="en-US" sz="1400" dirty="0"/>
+                        <a:t>Ounces</a:t>
+                      </a:r>
+                    </a:p>
+                  </a:txBody>
+                  <a:tcPr/>
+                </a:tc>
+                <a:tc>
+                  <a:txBody>
+                    <a:bodyPr/>
+                    <a:lstStyle/>
+                    <a:p>
+                      <a:r>
+                        <a:rPr lang="en-US" sz="1400" dirty="0"/>
+                        <a:t>Brewery Name</a:t>
+                      </a:r>
+                    </a:p>
+                  </a:txBody>
+                  <a:tcPr/>
+                </a:tc>
+                <a:tc>
+                  <a:txBody>
+                    <a:bodyPr/>
+                    <a:lstStyle/>
+                    <a:p>
+                      <a:r>
+                        <a:rPr lang="en-US" sz="1400" dirty="0"/>
+                        <a:t>City</a:t>
+                      </a:r>
+                    </a:p>
+                  </a:txBody>
+                  <a:tcPr/>
+                </a:tc>
+                <a:tc>
+                  <a:txBody>
+                    <a:bodyPr/>
+                    <a:lstStyle/>
+                    <a:p>
+                      <a:r>
+                        <a:rPr lang="en-US" sz="1400" dirty="0"/>
+                        <a:t>State</a:t>
+                      </a:r>
+                    </a:p>
+                  </a:txBody>
+                  <a:tcPr/>
+                </a:tc>
+                <a:extLst>
+                  <a:ext uri="{0D108BD9-81ED-4DB2-BD59-A6C34878D82A}">
+                    <a16:rowId xmlns:a16="http://schemas.microsoft.com/office/drawing/2014/main" val="4135519385"/>
+                  </a:ext>
+                </a:extLst>
+              </a:tr>
+              <a:tr h="370840">
+                <a:tc>
+                  <a:txBody>
+                    <a:bodyPr/>
+                    <a:lstStyle/>
+                    <a:p>
+                      <a:r>
+                        <a:rPr lang="en-US" sz="1400" dirty="0"/>
+                        <a:t>0</a:t>
+                      </a:r>
+                    </a:p>
+                  </a:txBody>
+                  <a:tcPr/>
+                </a:tc>
+                <a:tc>
+                  <a:txBody>
+                    <a:bodyPr/>
+                    <a:lstStyle/>
+                    <a:p>
+                      <a:r>
+                        <a:rPr lang="en-US" sz="1400" dirty="0"/>
+                        <a:t>0</a:t>
+                      </a:r>
+                    </a:p>
+                  </a:txBody>
+                  <a:tcPr/>
+                </a:tc>
+                <a:tc>
+                  <a:txBody>
+                    <a:bodyPr/>
+                    <a:lstStyle/>
+                    <a:p>
+                      <a:r>
+                        <a:rPr lang="en-US" sz="1400" dirty="0"/>
+                        <a:t>0</a:t>
+                      </a:r>
+                    </a:p>
+                  </a:txBody>
+                  <a:tcPr/>
+                </a:tc>
+                <a:tc>
+                  <a:txBody>
+                    <a:bodyPr/>
+                    <a:lstStyle/>
+                    <a:p>
+                      <a:r>
+                        <a:rPr lang="en-US" sz="1400" dirty="0"/>
+                        <a:t>62</a:t>
+                      </a:r>
+                    </a:p>
+                  </a:txBody>
+                  <a:tcPr/>
+                </a:tc>
+                <a:tc>
+                  <a:txBody>
+                    <a:bodyPr/>
+                    <a:lstStyle/>
+                    <a:p>
+                      <a:r>
+                        <a:rPr lang="en-US" sz="1400" dirty="0">
+                          <a:effectLst/>
+                        </a:rPr>
+                        <a:t>1005</a:t>
+                      </a:r>
+                      <a:endParaRPr lang="en-US" sz="1400" dirty="0"/>
+                    </a:p>
+                  </a:txBody>
+                  <a:tcPr/>
+                </a:tc>
+                <a:tc>
+                  <a:txBody>
+                    <a:bodyPr/>
+                    <a:lstStyle/>
+                    <a:p>
+                      <a:r>
+                        <a:rPr lang="en-US" sz="1400" dirty="0">
+                          <a:effectLst/>
+                        </a:rPr>
+                        <a:t>0</a:t>
+                      </a:r>
+                      <a:endParaRPr lang="en-US" sz="1400" dirty="0"/>
+                    </a:p>
+                  </a:txBody>
+                  <a:tcPr/>
+                </a:tc>
+                <a:tc>
+                  <a:txBody>
+                    <a:bodyPr/>
+                    <a:lstStyle/>
+                    <a:p>
+                      <a:r>
+                        <a:rPr lang="en-US" sz="1400" dirty="0">
+                          <a:effectLst/>
+                        </a:rPr>
+                        <a:t>0</a:t>
+                      </a:r>
+                      <a:endParaRPr lang="en-US" sz="1400" dirty="0"/>
+                    </a:p>
+                  </a:txBody>
+                  <a:tcPr/>
+                </a:tc>
+                <a:tc>
+                  <a:txBody>
+                    <a:bodyPr/>
+                    <a:lstStyle/>
+                    <a:p>
+                      <a:r>
+                        <a:rPr lang="en-US" sz="1400" dirty="0"/>
+                        <a:t>0</a:t>
+                      </a:r>
+                    </a:p>
+                  </a:txBody>
+                  <a:tcPr/>
+                </a:tc>
+                <a:tc>
+                  <a:txBody>
+                    <a:bodyPr/>
+                    <a:lstStyle/>
+                    <a:p>
+                      <a:r>
+                        <a:rPr lang="en-US" sz="1400" dirty="0">
+                          <a:effectLst/>
+                        </a:rPr>
+                        <a:t>0</a:t>
+                      </a:r>
+                      <a:endParaRPr lang="en-US" sz="1400" dirty="0"/>
+                    </a:p>
+                  </a:txBody>
+                  <a:tcPr/>
+                </a:tc>
+                <a:tc>
+                  <a:txBody>
+                    <a:bodyPr/>
+                    <a:lstStyle/>
+                    <a:p>
+                      <a:r>
+                        <a:rPr lang="en-US" sz="1400" dirty="0">
+                          <a:effectLst/>
+                        </a:rPr>
+                        <a:t>0</a:t>
+                      </a:r>
+                      <a:endParaRPr lang="en-US" sz="1400" dirty="0"/>
+                    </a:p>
+                  </a:txBody>
+                  <a:tcPr/>
+                </a:tc>
+                <a:extLst>
+                  <a:ext uri="{0D108BD9-81ED-4DB2-BD59-A6C34878D82A}">
+                    <a16:rowId xmlns:a16="http://schemas.microsoft.com/office/drawing/2014/main" val="3637558433"/>
+                  </a:ext>
+                </a:extLst>
+              </a:tr>
+            </a:tbl>
+          </a:graphicData>
+        </a:graphic>
+      </p:graphicFrame>
+      <p:sp>
+        <p:nvSpPr>
+          <p:cNvPr id="4" name="Title 1">
+            <a:extLst>
+              <a:ext uri="{FF2B5EF4-FFF2-40B4-BE49-F238E27FC236}">
+                <a16:creationId xmlns:a16="http://schemas.microsoft.com/office/drawing/2014/main" id="{83CB1265-DFFC-4FA3-BF4C-3B3F0CF0832B}"/>
+              </a:ext>
+            </a:extLst>
+          </p:cNvPr>
+          <p:cNvSpPr txBox="1">
+            <a:spLocks/>
+          </p:cNvSpPr>
+          <p:nvPr/>
+        </p:nvSpPr>
+        <p:spPr>
+          <a:xfrm>
+            <a:off x="1295402" y="794844"/>
+            <a:ext cx="9601196" cy="452065"/>
+          </a:xfrm>
+          <a:prstGeom prst="rect">
+            <a:avLst/>
+          </a:prstGeom>
+        </p:spPr>
+        <p:txBody>
+          <a:bodyPr>
+            <a:noAutofit/>
+          </a:bodyPr>
+          <a:lstStyle>
+            <a:lvl1pPr algn="ctr" defTabSz="457200" rtl="0" eaLnBrk="1" latinLnBrk="0" hangingPunct="1">
+              <a:spcBef>
+                <a:spcPct val="0"/>
+              </a:spcBef>
+              <a:buNone/>
+              <a:defRPr sz="4400" kern="1200" cap="none">
+                <a:ln w="3175" cmpd="sng">
+                  <a:noFill/>
+                </a:ln>
+                <a:solidFill>
+                  <a:schemeClr val="tx1">
+                    <a:lumMod val="85000"/>
+                    <a:lumOff val="15000"/>
+                  </a:schemeClr>
+                </a:solidFill>
+                <a:effectLst/>
+                <a:latin typeface="+mj-lt"/>
+                <a:ea typeface="+mj-ea"/>
+                <a:cs typeface="+mj-cs"/>
+              </a:defRPr>
+            </a:lvl1pPr>
+            <a:lvl2pPr eaLnBrk="1" hangingPunct="1">
+              <a:defRPr>
+                <a:solidFill>
+                  <a:schemeClr val="tx2"/>
+                </a:solidFill>
+              </a:defRPr>
+            </a:lvl2pPr>
+            <a:lvl3pPr eaLnBrk="1" hangingPunct="1">
+              <a:defRPr>
+                <a:solidFill>
+                  <a:schemeClr val="tx2"/>
+                </a:solidFill>
+              </a:defRPr>
+            </a:lvl3pPr>
+            <a:lvl4pPr eaLnBrk="1" hangingPunct="1">
+              <a:defRPr>
+                <a:solidFill>
+                  <a:schemeClr val="tx2"/>
+                </a:solidFill>
+              </a:defRPr>
+            </a:lvl4pPr>
+            <a:lvl5pPr eaLnBrk="1" hangingPunct="1">
+              <a:defRPr>
+                <a:solidFill>
+                  <a:schemeClr val="tx2"/>
+                </a:solidFill>
+              </a:defRPr>
+            </a:lvl5pPr>
+            <a:lvl6pPr eaLnBrk="1" hangingPunct="1">
+              <a:defRPr>
+                <a:solidFill>
+                  <a:schemeClr val="tx2"/>
+                </a:solidFill>
+              </a:defRPr>
+            </a:lvl6pPr>
+            <a:lvl7pPr eaLnBrk="1" hangingPunct="1">
+              <a:defRPr>
+                <a:solidFill>
+                  <a:schemeClr val="tx2"/>
+                </a:solidFill>
+              </a:defRPr>
+            </a:lvl7pPr>
+            <a:lvl8pPr eaLnBrk="1" hangingPunct="1">
+              <a:defRPr>
+                <a:solidFill>
+                  <a:schemeClr val="tx2"/>
+                </a:solidFill>
+              </a:defRPr>
+            </a:lvl8pPr>
+            <a:lvl9pPr eaLnBrk="1" hangingPunct="1">
+              <a:defRPr>
+                <a:solidFill>
+                  <a:schemeClr val="tx2"/>
+                </a:solidFill>
+              </a:defRPr>
+            </a:lvl9pPr>
+          </a:lstStyle>
+          <a:p>
+            <a:r>
+              <a:rPr lang="en-US" sz="2400" dirty="0"/>
+              <a:t>Number of NA’s in each Column</a:t>
+            </a:r>
+          </a:p>
+        </p:txBody>
+      </p:sp>
+    </p:spTree>
+    <p:extLst>
+      <p:ext uri="{BB962C8B-B14F-4D97-AF65-F5344CB8AC3E}">
+        <p14:creationId xmlns:p14="http://schemas.microsoft.com/office/powerpoint/2010/main" val="3881348419"/>
+      </p:ext>
+    </p:extLst>
+  </p:cSld>
+  <p:clrMapOvr>
+    <a:masterClrMapping/>
+  </p:clrMapOvr>
+</p:sld>
+</file>
+
+<file path=ppt/slides/slide11.xml><?xml version="1.0" encoding="utf-8"?>
 <p:sld xmlns:a="http://schemas.openxmlformats.org/drawingml/2006/main" xmlns:r="http://schemas.openxmlformats.org/officeDocument/2006/relationships" xmlns:p="http://schemas.openxmlformats.org/presentationml/2006/main">
   <p:cSld>
     <p:spTree>
@@ -7099,13 +7637,13 @@
         <p:spPr/>
         <p:txBody>
           <a:bodyPr>
-            <a:normAutofit fontScale="90000"/>
+            <a:normAutofit/>
           </a:bodyPr>
           <a:lstStyle/>
           <a:p>
             <a:r>
-              <a:rPr lang="en-US" dirty="0"/>
-              <a:t>4. Compute the median alcohol content and international bitterness unit for each state. Plot a bar chart to compare.</a:t>
+              <a:rPr lang="en-US" sz="4000" dirty="0"/>
+              <a:t>What is the median alcohol content (ABV) for each state?</a:t>
             </a:r>
           </a:p>
         </p:txBody>
@@ -7114,66 +7652,6 @@
     <p:extLst>
       <p:ext uri="{BB962C8B-B14F-4D97-AF65-F5344CB8AC3E}">
         <p14:creationId xmlns:p14="http://schemas.microsoft.com/office/powerpoint/2010/main" val="1477004572"/>
-      </p:ext>
-    </p:extLst>
-  </p:cSld>
-  <p:clrMapOvr>
-    <a:masterClrMapping/>
-  </p:clrMapOvr>
-</p:sld>
-</file>
-
-<file path=ppt/slides/slide11.xml><?xml version="1.0" encoding="utf-8"?>
-<p:sld xmlns:a="http://schemas.openxmlformats.org/drawingml/2006/main" xmlns:r="http://schemas.openxmlformats.org/officeDocument/2006/relationships" xmlns:p="http://schemas.openxmlformats.org/presentationml/2006/main">
-  <p:cSld>
-    <p:spTree>
-      <p:nvGrpSpPr>
-        <p:cNvPr id="1" name=""/>
-        <p:cNvGrpSpPr/>
-        <p:nvPr/>
-      </p:nvGrpSpPr>
-      <p:grpSpPr>
-        <a:xfrm>
-          <a:off x="0" y="0"/>
-          <a:ext cx="0" cy="0"/>
-          <a:chOff x="0" y="0"/>
-          <a:chExt cx="0" cy="0"/>
-        </a:xfrm>
-      </p:grpSpPr>
-      <p:pic>
-        <p:nvPicPr>
-          <p:cNvPr id="2" name="Picture 1">
-            <a:extLst>
-              <a:ext uri="{FF2B5EF4-FFF2-40B4-BE49-F238E27FC236}">
-                <a16:creationId xmlns:a16="http://schemas.microsoft.com/office/drawing/2014/main" id="{C4DA1C86-9D08-4029-A3E7-9A011C06007F}"/>
-              </a:ext>
-            </a:extLst>
-          </p:cNvPr>
-          <p:cNvPicPr>
-            <a:picLocks noChangeAspect="1"/>
-          </p:cNvPicPr>
-          <p:nvPr/>
-        </p:nvPicPr>
-        <p:blipFill>
-          <a:blip r:embed="rId2"/>
-          <a:stretch>
-            <a:fillRect/>
-          </a:stretch>
-        </p:blipFill>
-        <p:spPr>
-          <a:xfrm>
-            <a:off x="2583529" y="863930"/>
-            <a:ext cx="7024941" cy="5130140"/>
-          </a:xfrm>
-          <a:prstGeom prst="rect">
-            <a:avLst/>
-          </a:prstGeom>
-        </p:spPr>
-      </p:pic>
-    </p:spTree>
-    <p:extLst>
-      <p:ext uri="{BB962C8B-B14F-4D97-AF65-F5344CB8AC3E}">
-        <p14:creationId xmlns:p14="http://schemas.microsoft.com/office/powerpoint/2010/main" val="4070159963"/>
       </p:ext>
     </p:extLst>
   </p:cSld>
@@ -7202,10 +7680,10 @@
       </p:grpSpPr>
       <p:pic>
         <p:nvPicPr>
-          <p:cNvPr id="2" name="Picture 1">
+          <p:cNvPr id="3" name="Picture 2">
             <a:extLst>
               <a:ext uri="{FF2B5EF4-FFF2-40B4-BE49-F238E27FC236}">
-                <a16:creationId xmlns:a16="http://schemas.microsoft.com/office/drawing/2014/main" id="{78150F98-0A6C-490A-B25B-2348145FA668}"/>
+                <a16:creationId xmlns:a16="http://schemas.microsoft.com/office/drawing/2014/main" id="{07EFCB50-2D2B-43B7-AD5E-F8A27CB82A80}"/>
               </a:ext>
             </a:extLst>
           </p:cNvPr>
@@ -7222,8 +7700,8 @@
         </p:blipFill>
         <p:spPr>
           <a:xfrm>
-            <a:off x="2317806" y="669879"/>
-            <a:ext cx="7556387" cy="5518242"/>
+            <a:off x="2409139" y="795528"/>
+            <a:ext cx="7373722" cy="5266944"/>
           </a:xfrm>
           <a:prstGeom prst="rect">
             <a:avLst/>
@@ -7279,13 +7757,13 @@
         <p:spPr/>
         <p:txBody>
           <a:bodyPr>
-            <a:normAutofit fontScale="90000"/>
+            <a:normAutofit/>
           </a:bodyPr>
           <a:lstStyle/>
           <a:p>
             <a:r>
-              <a:rPr lang="en-US" dirty="0"/>
-              <a:t>5. Which state has the maximum alcoholic (ABV) beer? Which state has the most bitter (IBU) beer?</a:t>
+              <a:rPr lang="en-US" sz="4000" dirty="0"/>
+              <a:t>What is the median international bitterness unit (IBU) for each state?</a:t>
             </a:r>
           </a:p>
         </p:txBody>
@@ -7293,7 +7771,7 @@
     </p:spTree>
     <p:extLst>
       <p:ext uri="{BB962C8B-B14F-4D97-AF65-F5344CB8AC3E}">
-        <p14:creationId xmlns:p14="http://schemas.microsoft.com/office/powerpoint/2010/main" val="1942930578"/>
+        <p14:creationId xmlns:p14="http://schemas.microsoft.com/office/powerpoint/2010/main" val="2171881513"/>
       </p:ext>
     </p:extLst>
   </p:cSld>
@@ -7320,71 +7798,40 @@
           <a:chExt cx="0" cy="0"/>
         </a:xfrm>
       </p:grpSpPr>
-      <p:sp>
-        <p:nvSpPr>
-          <p:cNvPr id="2" name="Title 1">
+      <p:pic>
+        <p:nvPicPr>
+          <p:cNvPr id="3" name="Picture 2">
             <a:extLst>
               <a:ext uri="{FF2B5EF4-FFF2-40B4-BE49-F238E27FC236}">
-                <a16:creationId xmlns:a16="http://schemas.microsoft.com/office/drawing/2014/main" id="{0C2C5531-7D3A-4E2A-B152-1499269B41A9}"/>
+                <a16:creationId xmlns:a16="http://schemas.microsoft.com/office/drawing/2014/main" id="{80DD0EC4-3F3E-4AEB-8F01-F49B23D27F3F}"/>
               </a:ext>
             </a:extLst>
           </p:cNvPr>
-          <p:cNvSpPr>
-            <a:spLocks noGrp="1"/>
-          </p:cNvSpPr>
-          <p:nvPr>
-            <p:ph type="title"/>
-          </p:nvPr>
-        </p:nvSpPr>
-        <p:spPr/>
-        <p:txBody>
-          <a:bodyPr/>
-          <a:lstStyle/>
-          <a:p>
-            <a:endParaRPr lang="en-US"/>
-          </a:p>
-        </p:txBody>
-      </p:sp>
-      <p:sp>
-        <p:nvSpPr>
-          <p:cNvPr id="3" name="Content Placeholder 2">
-            <a:extLst>
-              <a:ext uri="{FF2B5EF4-FFF2-40B4-BE49-F238E27FC236}">
-                <a16:creationId xmlns:a16="http://schemas.microsoft.com/office/drawing/2014/main" id="{79EFA31F-59FF-4388-ADAF-5C0C78F40DA8}"/>
-              </a:ext>
-            </a:extLst>
-          </p:cNvPr>
-          <p:cNvSpPr>
-            <a:spLocks noGrp="1"/>
-          </p:cNvSpPr>
-          <p:nvPr>
-            <p:ph idx="1"/>
-          </p:nvPr>
-        </p:nvSpPr>
-        <p:spPr/>
-        <p:txBody>
-          <a:bodyPr/>
-          <a:lstStyle/>
-          <a:p>
-            <a:r>
-              <a:rPr lang="en-US" dirty="0"/>
-              <a:t>Colorado has the maximum alcoholic (ABV) beer at 0.128 for Lee Hill Series Vol. 5 – Belgian Style </a:t>
-            </a:r>
-            <a:r>
-              <a:rPr lang="en-US" dirty="0" err="1"/>
-              <a:t>Quadrupel</a:t>
-            </a:r>
-            <a:r>
-              <a:rPr lang="en-US" dirty="0"/>
-              <a:t> Ale.</a:t>
-            </a:r>
-          </a:p>
-        </p:txBody>
-      </p:sp>
+          <p:cNvPicPr>
+            <a:picLocks noChangeAspect="1"/>
+          </p:cNvPicPr>
+          <p:nvPr/>
+        </p:nvPicPr>
+        <p:blipFill>
+          <a:blip r:embed="rId2"/>
+          <a:stretch>
+            <a:fillRect/>
+          </a:stretch>
+        </p:blipFill>
+        <p:spPr>
+          <a:xfrm>
+            <a:off x="2411532" y="797237"/>
+            <a:ext cx="7368936" cy="5263526"/>
+          </a:xfrm>
+          <a:prstGeom prst="rect">
+            <a:avLst/>
+          </a:prstGeom>
+        </p:spPr>
+      </p:pic>
     </p:spTree>
     <p:extLst>
       <p:ext uri="{BB962C8B-B14F-4D97-AF65-F5344CB8AC3E}">
-        <p14:creationId xmlns:p14="http://schemas.microsoft.com/office/powerpoint/2010/main" val="2623287778"/>
+        <p14:creationId xmlns:p14="http://schemas.microsoft.com/office/powerpoint/2010/main" val="4070159963"/>
       </p:ext>
     </p:extLst>
   </p:cSld>
@@ -7395,89 +7842,6 @@
 </file>
 
 <file path=ppt/slides/slide15.xml><?xml version="1.0" encoding="utf-8"?>
-<p:sld xmlns:a="http://schemas.openxmlformats.org/drawingml/2006/main" xmlns:r="http://schemas.openxmlformats.org/officeDocument/2006/relationships" xmlns:p="http://schemas.openxmlformats.org/presentationml/2006/main">
-  <p:cSld>
-    <p:spTree>
-      <p:nvGrpSpPr>
-        <p:cNvPr id="1" name=""/>
-        <p:cNvGrpSpPr/>
-        <p:nvPr/>
-      </p:nvGrpSpPr>
-      <p:grpSpPr>
-        <a:xfrm>
-          <a:off x="0" y="0"/>
-          <a:ext cx="0" cy="0"/>
-          <a:chOff x="0" y="0"/>
-          <a:chExt cx="0" cy="0"/>
-        </a:xfrm>
-      </p:grpSpPr>
-      <p:sp>
-        <p:nvSpPr>
-          <p:cNvPr id="2" name="Title 1">
-            <a:extLst>
-              <a:ext uri="{FF2B5EF4-FFF2-40B4-BE49-F238E27FC236}">
-                <a16:creationId xmlns:a16="http://schemas.microsoft.com/office/drawing/2014/main" id="{0C2C5531-7D3A-4E2A-B152-1499269B41A9}"/>
-              </a:ext>
-            </a:extLst>
-          </p:cNvPr>
-          <p:cNvSpPr>
-            <a:spLocks noGrp="1"/>
-          </p:cNvSpPr>
-          <p:nvPr>
-            <p:ph type="title"/>
-          </p:nvPr>
-        </p:nvSpPr>
-        <p:spPr/>
-        <p:txBody>
-          <a:bodyPr/>
-          <a:lstStyle/>
-          <a:p>
-            <a:endParaRPr lang="en-US"/>
-          </a:p>
-        </p:txBody>
-      </p:sp>
-      <p:sp>
-        <p:nvSpPr>
-          <p:cNvPr id="3" name="Content Placeholder 2">
-            <a:extLst>
-              <a:ext uri="{FF2B5EF4-FFF2-40B4-BE49-F238E27FC236}">
-                <a16:creationId xmlns:a16="http://schemas.microsoft.com/office/drawing/2014/main" id="{79EFA31F-59FF-4388-ADAF-5C0C78F40DA8}"/>
-              </a:ext>
-            </a:extLst>
-          </p:cNvPr>
-          <p:cNvSpPr>
-            <a:spLocks noGrp="1"/>
-          </p:cNvSpPr>
-          <p:nvPr>
-            <p:ph idx="1"/>
-          </p:nvPr>
-        </p:nvSpPr>
-        <p:spPr/>
-        <p:txBody>
-          <a:bodyPr/>
-          <a:lstStyle/>
-          <a:p>
-            <a:r>
-              <a:rPr lang="en-US" dirty="0"/>
-              <a:t>Oregon has the most bitter (IBU) beer at 138 for 3745 Bitter Bitch Imperial IPA.</a:t>
-            </a:r>
-          </a:p>
-        </p:txBody>
-      </p:sp>
-    </p:spTree>
-    <p:extLst>
-      <p:ext uri="{BB962C8B-B14F-4D97-AF65-F5344CB8AC3E}">
-        <p14:creationId xmlns:p14="http://schemas.microsoft.com/office/powerpoint/2010/main" val="3796521160"/>
-      </p:ext>
-    </p:extLst>
-  </p:cSld>
-  <p:clrMapOvr>
-    <a:masterClrMapping/>
-  </p:clrMapOvr>
-</p:sld>
-</file>
-
-<file path=ppt/slides/slide16.xml><?xml version="1.0" encoding="utf-8"?>
 <p:sld xmlns:a="http://schemas.openxmlformats.org/drawingml/2006/main" xmlns:r="http://schemas.openxmlformats.org/officeDocument/2006/relationships" xmlns:p="http://schemas.openxmlformats.org/presentationml/2006/main">
   <p:cSld>
     <p:spTree>
@@ -7512,12 +7876,369 @@
         </p:nvSpPr>
         <p:spPr/>
         <p:txBody>
-          <a:bodyPr/>
+          <a:bodyPr>
+            <a:normAutofit/>
+          </a:bodyPr>
           <a:lstStyle/>
           <a:p>
             <a:r>
-              <a:rPr lang="en-US" dirty="0"/>
-              <a:t>6. Summary statistics for the ABV variable.</a:t>
+              <a:rPr lang="en-US" sz="4000" dirty="0"/>
+              <a:t>Which state has the maximum alcoholic (ABV) beer?</a:t>
+            </a:r>
+          </a:p>
+        </p:txBody>
+      </p:sp>
+    </p:spTree>
+    <p:extLst>
+      <p:ext uri="{BB962C8B-B14F-4D97-AF65-F5344CB8AC3E}">
+        <p14:creationId xmlns:p14="http://schemas.microsoft.com/office/powerpoint/2010/main" val="1942930578"/>
+      </p:ext>
+    </p:extLst>
+  </p:cSld>
+  <p:clrMapOvr>
+    <a:masterClrMapping/>
+  </p:clrMapOvr>
+</p:sld>
+</file>
+
+<file path=ppt/slides/slide16.xml><?xml version="1.0" encoding="utf-8"?>
+<p:sld xmlns:a="http://schemas.openxmlformats.org/drawingml/2006/main" xmlns:r="http://schemas.openxmlformats.org/officeDocument/2006/relationships" xmlns:p="http://schemas.openxmlformats.org/presentationml/2006/main">
+  <p:cSld>
+    <p:spTree>
+      <p:nvGrpSpPr>
+        <p:cNvPr id="1" name=""/>
+        <p:cNvGrpSpPr/>
+        <p:nvPr/>
+      </p:nvGrpSpPr>
+      <p:grpSpPr>
+        <a:xfrm>
+          <a:off x="0" y="0"/>
+          <a:ext cx="0" cy="0"/>
+          <a:chOff x="0" y="0"/>
+          <a:chExt cx="0" cy="0"/>
+        </a:xfrm>
+      </p:grpSpPr>
+      <p:sp>
+        <p:nvSpPr>
+          <p:cNvPr id="2" name="Title 1">
+            <a:extLst>
+              <a:ext uri="{FF2B5EF4-FFF2-40B4-BE49-F238E27FC236}">
+                <a16:creationId xmlns:a16="http://schemas.microsoft.com/office/drawing/2014/main" id="{7657B747-0E99-4A0F-8A4B-BFC90908CFD9}"/>
+              </a:ext>
+            </a:extLst>
+          </p:cNvPr>
+          <p:cNvSpPr>
+            <a:spLocks noGrp="1"/>
+          </p:cNvSpPr>
+          <p:nvPr>
+            <p:ph type="title"/>
+          </p:nvPr>
+        </p:nvSpPr>
+        <p:spPr/>
+        <p:txBody>
+          <a:bodyPr>
+            <a:normAutofit/>
+          </a:bodyPr>
+          <a:lstStyle/>
+          <a:p>
+            <a:r>
+              <a:rPr lang="en-US" sz="4000" dirty="0"/>
+              <a:t>Colorado</a:t>
+            </a:r>
+          </a:p>
+        </p:txBody>
+      </p:sp>
+      <p:pic>
+        <p:nvPicPr>
+          <p:cNvPr id="6" name="Picture Placeholder 5">
+            <a:extLst>
+              <a:ext uri="{FF2B5EF4-FFF2-40B4-BE49-F238E27FC236}">
+                <a16:creationId xmlns:a16="http://schemas.microsoft.com/office/drawing/2014/main" id="{372B795D-3900-45B0-9D3B-ACA169E57C8C}"/>
+              </a:ext>
+            </a:extLst>
+          </p:cNvPr>
+          <p:cNvPicPr>
+            <a:picLocks noGrp="1" noChangeAspect="1"/>
+          </p:cNvPicPr>
+          <p:nvPr>
+            <p:ph type="pic" idx="1"/>
+          </p:nvPr>
+        </p:nvPicPr>
+        <p:blipFill>
+          <a:blip r:embed="rId2"/>
+          <a:srcRect t="16528" b="16528"/>
+          <a:stretch>
+            <a:fillRect/>
+          </a:stretch>
+        </p:blipFill>
+        <p:spPr>
+          <a:xfrm>
+            <a:off x="8083550" y="1041400"/>
+            <a:ext cx="3062288" cy="4775200"/>
+          </a:xfrm>
+        </p:spPr>
+      </p:pic>
+      <p:sp>
+        <p:nvSpPr>
+          <p:cNvPr id="4" name="Text Placeholder 3">
+            <a:extLst>
+              <a:ext uri="{FF2B5EF4-FFF2-40B4-BE49-F238E27FC236}">
+                <a16:creationId xmlns:a16="http://schemas.microsoft.com/office/drawing/2014/main" id="{2E5DBF70-A69C-462A-B388-F29CC0E80488}"/>
+              </a:ext>
+            </a:extLst>
+          </p:cNvPr>
+          <p:cNvSpPr>
+            <a:spLocks noGrp="1"/>
+          </p:cNvSpPr>
+          <p:nvPr>
+            <p:ph type="body" sz="half" idx="2"/>
+          </p:nvPr>
+        </p:nvSpPr>
+        <p:spPr/>
+        <p:txBody>
+          <a:bodyPr>
+            <a:normAutofit/>
+          </a:bodyPr>
+          <a:lstStyle/>
+          <a:p>
+            <a:r>
+              <a:rPr lang="en-US" sz="2400" dirty="0"/>
+              <a:t>Colorado has the maximum alcoholic (ABV) beer at 0.128 for Lee Hill Series Vol. 5 – Belgian Style Quadrupel Ale.</a:t>
+            </a:r>
+          </a:p>
+        </p:txBody>
+      </p:sp>
+    </p:spTree>
+    <p:extLst>
+      <p:ext uri="{BB962C8B-B14F-4D97-AF65-F5344CB8AC3E}">
+        <p14:creationId xmlns:p14="http://schemas.microsoft.com/office/powerpoint/2010/main" val="2474190142"/>
+      </p:ext>
+    </p:extLst>
+  </p:cSld>
+  <p:clrMapOvr>
+    <a:masterClrMapping/>
+  </p:clrMapOvr>
+</p:sld>
+</file>
+
+<file path=ppt/slides/slide17.xml><?xml version="1.0" encoding="utf-8"?>
+<p:sld xmlns:a="http://schemas.openxmlformats.org/drawingml/2006/main" xmlns:r="http://schemas.openxmlformats.org/officeDocument/2006/relationships" xmlns:p="http://schemas.openxmlformats.org/presentationml/2006/main">
+  <p:cSld>
+    <p:spTree>
+      <p:nvGrpSpPr>
+        <p:cNvPr id="1" name=""/>
+        <p:cNvGrpSpPr/>
+        <p:nvPr/>
+      </p:nvGrpSpPr>
+      <p:grpSpPr>
+        <a:xfrm>
+          <a:off x="0" y="0"/>
+          <a:ext cx="0" cy="0"/>
+          <a:chOff x="0" y="0"/>
+          <a:chExt cx="0" cy="0"/>
+        </a:xfrm>
+      </p:grpSpPr>
+      <p:sp>
+        <p:nvSpPr>
+          <p:cNvPr id="2" name="Title 1">
+            <a:extLst>
+              <a:ext uri="{FF2B5EF4-FFF2-40B4-BE49-F238E27FC236}">
+                <a16:creationId xmlns:a16="http://schemas.microsoft.com/office/drawing/2014/main" id="{96BCD036-B940-49FE-B2C0-BE9D8CE47D6A}"/>
+              </a:ext>
+            </a:extLst>
+          </p:cNvPr>
+          <p:cNvSpPr>
+            <a:spLocks noGrp="1"/>
+          </p:cNvSpPr>
+          <p:nvPr>
+            <p:ph type="title"/>
+          </p:nvPr>
+        </p:nvSpPr>
+        <p:spPr/>
+        <p:txBody>
+          <a:bodyPr>
+            <a:normAutofit/>
+          </a:bodyPr>
+          <a:lstStyle/>
+          <a:p>
+            <a:r>
+              <a:rPr lang="en-US" sz="4000" dirty="0"/>
+              <a:t>Which state has the most bitter (IBU) beer?</a:t>
+            </a:r>
+          </a:p>
+        </p:txBody>
+      </p:sp>
+    </p:spTree>
+    <p:extLst>
+      <p:ext uri="{BB962C8B-B14F-4D97-AF65-F5344CB8AC3E}">
+        <p14:creationId xmlns:p14="http://schemas.microsoft.com/office/powerpoint/2010/main" val="615393731"/>
+      </p:ext>
+    </p:extLst>
+  </p:cSld>
+  <p:clrMapOvr>
+    <a:masterClrMapping/>
+  </p:clrMapOvr>
+</p:sld>
+</file>
+
+<file path=ppt/slides/slide18.xml><?xml version="1.0" encoding="utf-8"?>
+<p:sld xmlns:a="http://schemas.openxmlformats.org/drawingml/2006/main" xmlns:r="http://schemas.openxmlformats.org/officeDocument/2006/relationships" xmlns:p="http://schemas.openxmlformats.org/presentationml/2006/main">
+  <p:cSld>
+    <p:spTree>
+      <p:nvGrpSpPr>
+        <p:cNvPr id="1" name=""/>
+        <p:cNvGrpSpPr/>
+        <p:nvPr/>
+      </p:nvGrpSpPr>
+      <p:grpSpPr>
+        <a:xfrm>
+          <a:off x="0" y="0"/>
+          <a:ext cx="0" cy="0"/>
+          <a:chOff x="0" y="0"/>
+          <a:chExt cx="0" cy="0"/>
+        </a:xfrm>
+      </p:grpSpPr>
+      <p:sp>
+        <p:nvSpPr>
+          <p:cNvPr id="2" name="Title 1">
+            <a:extLst>
+              <a:ext uri="{FF2B5EF4-FFF2-40B4-BE49-F238E27FC236}">
+                <a16:creationId xmlns:a16="http://schemas.microsoft.com/office/drawing/2014/main" id="{7657B747-0E99-4A0F-8A4B-BFC90908CFD9}"/>
+              </a:ext>
+            </a:extLst>
+          </p:cNvPr>
+          <p:cNvSpPr>
+            <a:spLocks noGrp="1"/>
+          </p:cNvSpPr>
+          <p:nvPr>
+            <p:ph type="title"/>
+          </p:nvPr>
+        </p:nvSpPr>
+        <p:spPr/>
+        <p:txBody>
+          <a:bodyPr>
+            <a:normAutofit/>
+          </a:bodyPr>
+          <a:lstStyle/>
+          <a:p>
+            <a:r>
+              <a:rPr lang="en-US" sz="4000" dirty="0"/>
+              <a:t>Oregon</a:t>
+            </a:r>
+          </a:p>
+        </p:txBody>
+      </p:sp>
+      <p:pic>
+        <p:nvPicPr>
+          <p:cNvPr id="6" name="Picture Placeholder 5" descr="A bottle of wine and a glass of beer&#10;&#10;Description generated with high confidence">
+            <a:extLst>
+              <a:ext uri="{FF2B5EF4-FFF2-40B4-BE49-F238E27FC236}">
+                <a16:creationId xmlns:a16="http://schemas.microsoft.com/office/drawing/2014/main" id="{216B2D11-4307-4CC1-9069-F813760FFF05}"/>
+              </a:ext>
+            </a:extLst>
+          </p:cNvPr>
+          <p:cNvPicPr>
+            <a:picLocks noGrp="1" noChangeAspect="1"/>
+          </p:cNvPicPr>
+          <p:nvPr>
+            <p:ph type="pic" idx="1"/>
+          </p:nvPr>
+        </p:nvPicPr>
+        <p:blipFill>
+          <a:blip r:embed="rId2"/>
+          <a:srcRect l="7225" r="7225"/>
+          <a:stretch>
+            <a:fillRect/>
+          </a:stretch>
+        </p:blipFill>
+        <p:spPr/>
+      </p:pic>
+      <p:sp>
+        <p:nvSpPr>
+          <p:cNvPr id="4" name="Text Placeholder 3">
+            <a:extLst>
+              <a:ext uri="{FF2B5EF4-FFF2-40B4-BE49-F238E27FC236}">
+                <a16:creationId xmlns:a16="http://schemas.microsoft.com/office/drawing/2014/main" id="{2E5DBF70-A69C-462A-B388-F29CC0E80488}"/>
+              </a:ext>
+            </a:extLst>
+          </p:cNvPr>
+          <p:cNvSpPr>
+            <a:spLocks noGrp="1"/>
+          </p:cNvSpPr>
+          <p:nvPr>
+            <p:ph type="body" sz="half" idx="2"/>
+          </p:nvPr>
+        </p:nvSpPr>
+        <p:spPr/>
+        <p:txBody>
+          <a:bodyPr>
+            <a:normAutofit/>
+          </a:bodyPr>
+          <a:lstStyle/>
+          <a:p>
+            <a:r>
+              <a:rPr lang="en-US" sz="2400" dirty="0"/>
+              <a:t>Oregon has the most bitter (IBU) beer at 138 for 3745 Bitter Bitch Imperial IPA.</a:t>
+            </a:r>
+          </a:p>
+        </p:txBody>
+      </p:sp>
+    </p:spTree>
+    <p:extLst>
+      <p:ext uri="{BB962C8B-B14F-4D97-AF65-F5344CB8AC3E}">
+        <p14:creationId xmlns:p14="http://schemas.microsoft.com/office/powerpoint/2010/main" val="2489494076"/>
+      </p:ext>
+    </p:extLst>
+  </p:cSld>
+  <p:clrMapOvr>
+    <a:masterClrMapping/>
+  </p:clrMapOvr>
+</p:sld>
+</file>
+
+<file path=ppt/slides/slide19.xml><?xml version="1.0" encoding="utf-8"?>
+<p:sld xmlns:a="http://schemas.openxmlformats.org/drawingml/2006/main" xmlns:r="http://schemas.openxmlformats.org/officeDocument/2006/relationships" xmlns:p="http://schemas.openxmlformats.org/presentationml/2006/main">
+  <p:cSld>
+    <p:spTree>
+      <p:nvGrpSpPr>
+        <p:cNvPr id="1" name=""/>
+        <p:cNvGrpSpPr/>
+        <p:nvPr/>
+      </p:nvGrpSpPr>
+      <p:grpSpPr>
+        <a:xfrm>
+          <a:off x="0" y="0"/>
+          <a:ext cx="0" cy="0"/>
+          <a:chOff x="0" y="0"/>
+          <a:chExt cx="0" cy="0"/>
+        </a:xfrm>
+      </p:grpSpPr>
+      <p:sp>
+        <p:nvSpPr>
+          <p:cNvPr id="2" name="Title 1">
+            <a:extLst>
+              <a:ext uri="{FF2B5EF4-FFF2-40B4-BE49-F238E27FC236}">
+                <a16:creationId xmlns:a16="http://schemas.microsoft.com/office/drawing/2014/main" id="{96BCD036-B940-49FE-B2C0-BE9D8CE47D6A}"/>
+              </a:ext>
+            </a:extLst>
+          </p:cNvPr>
+          <p:cNvSpPr>
+            <a:spLocks noGrp="1"/>
+          </p:cNvSpPr>
+          <p:nvPr>
+            <p:ph type="title"/>
+          </p:nvPr>
+        </p:nvSpPr>
+        <p:spPr/>
+        <p:txBody>
+          <a:bodyPr>
+            <a:normAutofit/>
+          </a:bodyPr>
+          <a:lstStyle/>
+          <a:p>
+            <a:r>
+              <a:rPr lang="en-US" sz="4000" dirty="0"/>
+              <a:t>What are the summary statistics for ABV?</a:t>
             </a:r>
           </a:p>
         </p:txBody>
@@ -7535,7 +8256,117 @@
 </p:sld>
 </file>
 
-<file path=ppt/slides/slide17.xml><?xml version="1.0" encoding="utf-8"?>
+<file path=ppt/slides/slide2.xml><?xml version="1.0" encoding="utf-8"?>
+<p:sld xmlns:a="http://schemas.openxmlformats.org/drawingml/2006/main" xmlns:r="http://schemas.openxmlformats.org/officeDocument/2006/relationships" xmlns:p="http://schemas.openxmlformats.org/presentationml/2006/main">
+  <p:cSld>
+    <p:spTree>
+      <p:nvGrpSpPr>
+        <p:cNvPr id="1" name=""/>
+        <p:cNvGrpSpPr/>
+        <p:nvPr/>
+      </p:nvGrpSpPr>
+      <p:grpSpPr>
+        <a:xfrm>
+          <a:off x="0" y="0"/>
+          <a:ext cx="0" cy="0"/>
+          <a:chOff x="0" y="0"/>
+          <a:chExt cx="0" cy="0"/>
+        </a:xfrm>
+      </p:grpSpPr>
+      <p:sp>
+        <p:nvSpPr>
+          <p:cNvPr id="2" name="Title 1">
+            <a:extLst>
+              <a:ext uri="{FF2B5EF4-FFF2-40B4-BE49-F238E27FC236}">
+                <a16:creationId xmlns:a16="http://schemas.microsoft.com/office/drawing/2014/main" id="{347E29E1-2E2A-4452-A15C-E16C217CF345}"/>
+              </a:ext>
+            </a:extLst>
+          </p:cNvPr>
+          <p:cNvSpPr>
+            <a:spLocks noGrp="1"/>
+          </p:cNvSpPr>
+          <p:nvPr>
+            <p:ph type="title"/>
+          </p:nvPr>
+        </p:nvSpPr>
+        <p:spPr/>
+        <p:txBody>
+          <a:bodyPr>
+            <a:normAutofit/>
+          </a:bodyPr>
+          <a:lstStyle/>
+          <a:p>
+            <a:r>
+              <a:rPr lang="en-US" sz="4000" dirty="0"/>
+              <a:t>Introduction</a:t>
+            </a:r>
+          </a:p>
+        </p:txBody>
+      </p:sp>
+      <p:sp>
+        <p:nvSpPr>
+          <p:cNvPr id="3" name="Content Placeholder 2">
+            <a:extLst>
+              <a:ext uri="{FF2B5EF4-FFF2-40B4-BE49-F238E27FC236}">
+                <a16:creationId xmlns:a16="http://schemas.microsoft.com/office/drawing/2014/main" id="{ED4F31D2-1BAB-4EF1-815E-A0A4A9FC7EF0}"/>
+              </a:ext>
+            </a:extLst>
+          </p:cNvPr>
+          <p:cNvSpPr>
+            <a:spLocks noGrp="1"/>
+          </p:cNvSpPr>
+          <p:nvPr>
+            <p:ph idx="1"/>
+          </p:nvPr>
+        </p:nvSpPr>
+        <p:spPr>
+          <a:xfrm>
+            <a:off x="1295401" y="2556932"/>
+            <a:ext cx="9601196" cy="3318936"/>
+          </a:xfrm>
+        </p:spPr>
+        <p:txBody>
+          <a:bodyPr>
+            <a:normAutofit/>
+          </a:bodyPr>
+          <a:lstStyle/>
+          <a:p>
+            <a:pPr marL="0" indent="0">
+              <a:buNone/>
+            </a:pPr>
+            <a:r>
+              <a:rPr lang="en-US" sz="3000" dirty="0"/>
+              <a:t>We analyzed the provided data to determine:</a:t>
+            </a:r>
+          </a:p>
+          <a:p>
+            <a:r>
+              <a:rPr lang="en-US" sz="3000" dirty="0"/>
+              <a:t>What state would be the best to open a new brewery?</a:t>
+            </a:r>
+          </a:p>
+          <a:p>
+            <a:r>
+              <a:rPr lang="en-US" sz="3000" dirty="0"/>
+              <a:t>What type of beer should it brew?</a:t>
+            </a:r>
+          </a:p>
+        </p:txBody>
+      </p:sp>
+    </p:spTree>
+    <p:extLst>
+      <p:ext uri="{BB962C8B-B14F-4D97-AF65-F5344CB8AC3E}">
+        <p14:creationId xmlns:p14="http://schemas.microsoft.com/office/powerpoint/2010/main" val="2419412956"/>
+      </p:ext>
+    </p:extLst>
+  </p:cSld>
+  <p:clrMapOvr>
+    <a:masterClrMapping/>
+  </p:clrMapOvr>
+</p:sld>
+</file>
+
+<file path=ppt/slides/slide20.xml><?xml version="1.0" encoding="utf-8"?>
 <p:sld xmlns:a="http://schemas.openxmlformats.org/drawingml/2006/main" xmlns:r="http://schemas.openxmlformats.org/officeDocument/2006/relationships" xmlns:p="http://schemas.openxmlformats.org/presentationml/2006/main">
   <p:cSld>
     <p:spTree>
@@ -7567,7 +8398,7 @@
           <p:nvPr>
             <p:extLst>
               <p:ext uri="{D42A27DB-BD31-4B8C-83A1-F6EECF244321}">
-                <p14:modId xmlns:p14="http://schemas.microsoft.com/office/powerpoint/2010/main" val="307550005"/>
+                <p14:modId xmlns:p14="http://schemas.microsoft.com/office/powerpoint/2010/main" val="22793020"/>
               </p:ext>
             </p:extLst>
           </p:nvPr>
@@ -7678,10 +8509,9 @@
                     <a:lstStyle/>
                     <a:p>
                       <a:r>
-                        <a:rPr lang="en-US" dirty="0" err="1"/>
+                        <a:rPr lang="en-US" dirty="0"/>
                         <a:t>Std</a:t>
                       </a:r>
-                      <a:endParaRPr lang="en-US" dirty="0"/>
                     </a:p>
                   </a:txBody>
                   <a:tcPr/>
@@ -7699,24 +8529,8 @@
                     <a:lstStyle/>
                     <a:p>
                       <a:r>
-                        <a:rPr lang="en-US" dirty="0">
-                          <a:effectLst/>
-                        </a:rPr>
-                        <a:t>0.05991388</a:t>
-                      </a:r>
-                      <a:endParaRPr lang="en-US" dirty="0"/>
-                    </a:p>
-                  </a:txBody>
-                  <a:tcPr/>
-                </a:tc>
-                <a:tc>
-                  <a:txBody>
-                    <a:bodyPr/>
-                    <a:lstStyle/>
-                    <a:p>
-                      <a:r>
                         <a:rPr lang="en-US" dirty="0"/>
-                        <a:t>0.125</a:t>
+                        <a:t>0.05977342</a:t>
                       </a:r>
                     </a:p>
                   </a:txBody>
@@ -7729,7 +8543,7 @@
                     <a:p>
                       <a:r>
                         <a:rPr lang="en-US" dirty="0"/>
-                        <a:t>0.027</a:t>
+                        <a:t>0.128</a:t>
                       </a:r>
                     </a:p>
                   </a:txBody>
@@ -7742,24 +8556,34 @@
                     <a:p>
                       <a:r>
                         <a:rPr lang="en-US" dirty="0"/>
-                        <a:t>0.057</a:t>
-                      </a:r>
-                    </a:p>
-                  </a:txBody>
-                  <a:tcPr/>
-                </a:tc>
-                <a:tc>
-                  <a:txBody>
-                    <a:bodyPr/>
-                    <a:lstStyle/>
-                    <a:p>
-                      <a:r>
-                        <a:rPr lang="en-US" dirty="0">
-                          <a:effectLst/>
-                        </a:rPr>
-                        <a:t>0.01357633</a:t>
-                      </a:r>
-                      <a:endParaRPr lang="en-US" dirty="0"/>
+                        <a:t>0.001</a:t>
+                      </a:r>
+                    </a:p>
+                  </a:txBody>
+                  <a:tcPr/>
+                </a:tc>
+                <a:tc>
+                  <a:txBody>
+                    <a:bodyPr/>
+                    <a:lstStyle/>
+                    <a:p>
+                      <a:r>
+                        <a:rPr lang="en-US" dirty="0"/>
+                        <a:t>0.056</a:t>
+                      </a:r>
+                    </a:p>
+                  </a:txBody>
+                  <a:tcPr/>
+                </a:tc>
+                <a:tc>
+                  <a:txBody>
+                    <a:bodyPr/>
+                    <a:lstStyle/>
+                    <a:p>
+                      <a:r>
+                        <a:rPr lang="en-US" dirty="0"/>
+                        <a:t>0.01354173</a:t>
+                      </a:r>
                     </a:p>
                   </a:txBody>
                   <a:tcPr/>
@@ -7774,6 +8598,120 @@
           </a:graphicData>
         </a:graphic>
       </p:graphicFrame>
+      <p:sp>
+        <p:nvSpPr>
+          <p:cNvPr id="4" name="Title 1">
+            <a:extLst>
+              <a:ext uri="{FF2B5EF4-FFF2-40B4-BE49-F238E27FC236}">
+                <a16:creationId xmlns:a16="http://schemas.microsoft.com/office/drawing/2014/main" id="{FE8FA170-E2C0-460C-B5D4-8432DF32222F}"/>
+              </a:ext>
+            </a:extLst>
+          </p:cNvPr>
+          <p:cNvSpPr txBox="1">
+            <a:spLocks/>
+          </p:cNvSpPr>
+          <p:nvPr/>
+        </p:nvSpPr>
+        <p:spPr>
+          <a:xfrm>
+            <a:off x="1295402" y="794844"/>
+            <a:ext cx="9601196" cy="452065"/>
+          </a:xfrm>
+          <a:prstGeom prst="rect">
+            <a:avLst/>
+          </a:prstGeom>
+        </p:spPr>
+        <p:txBody>
+          <a:bodyPr>
+            <a:noAutofit/>
+          </a:bodyPr>
+          <a:lstStyle>
+            <a:lvl1pPr algn="ctr" defTabSz="457200" rtl="0" eaLnBrk="1" latinLnBrk="0" hangingPunct="1">
+              <a:spcBef>
+                <a:spcPct val="0"/>
+              </a:spcBef>
+              <a:buNone/>
+              <a:defRPr sz="4400" kern="1200" cap="none">
+                <a:ln w="3175" cmpd="sng">
+                  <a:noFill/>
+                </a:ln>
+                <a:solidFill>
+                  <a:schemeClr val="tx1">
+                    <a:lumMod val="85000"/>
+                    <a:lumOff val="15000"/>
+                  </a:schemeClr>
+                </a:solidFill>
+                <a:effectLst/>
+                <a:latin typeface="+mj-lt"/>
+                <a:ea typeface="+mj-ea"/>
+                <a:cs typeface="+mj-cs"/>
+              </a:defRPr>
+            </a:lvl1pPr>
+            <a:lvl2pPr eaLnBrk="1" hangingPunct="1">
+              <a:defRPr>
+                <a:solidFill>
+                  <a:schemeClr val="tx2"/>
+                </a:solidFill>
+              </a:defRPr>
+            </a:lvl2pPr>
+            <a:lvl3pPr eaLnBrk="1" hangingPunct="1">
+              <a:defRPr>
+                <a:solidFill>
+                  <a:schemeClr val="tx2"/>
+                </a:solidFill>
+              </a:defRPr>
+            </a:lvl3pPr>
+            <a:lvl4pPr eaLnBrk="1" hangingPunct="1">
+              <a:defRPr>
+                <a:solidFill>
+                  <a:schemeClr val="tx2"/>
+                </a:solidFill>
+              </a:defRPr>
+            </a:lvl4pPr>
+            <a:lvl5pPr eaLnBrk="1" hangingPunct="1">
+              <a:defRPr>
+                <a:solidFill>
+                  <a:schemeClr val="tx2"/>
+                </a:solidFill>
+              </a:defRPr>
+            </a:lvl5pPr>
+            <a:lvl6pPr eaLnBrk="1" hangingPunct="1">
+              <a:defRPr>
+                <a:solidFill>
+                  <a:schemeClr val="tx2"/>
+                </a:solidFill>
+              </a:defRPr>
+            </a:lvl6pPr>
+            <a:lvl7pPr eaLnBrk="1" hangingPunct="1">
+              <a:defRPr>
+                <a:solidFill>
+                  <a:schemeClr val="tx2"/>
+                </a:solidFill>
+              </a:defRPr>
+            </a:lvl7pPr>
+            <a:lvl8pPr eaLnBrk="1" hangingPunct="1">
+              <a:defRPr>
+                <a:solidFill>
+                  <a:schemeClr val="tx2"/>
+                </a:solidFill>
+              </a:defRPr>
+            </a:lvl8pPr>
+            <a:lvl9pPr eaLnBrk="1" hangingPunct="1">
+              <a:defRPr>
+                <a:solidFill>
+                  <a:schemeClr val="tx2"/>
+                </a:solidFill>
+              </a:defRPr>
+            </a:lvl9pPr>
+          </a:lstStyle>
+          <a:p>
+            <a:r>
+              <a:rPr lang="en-US" sz="2400" dirty="0"/>
+              <a:t>Summary Statistics for ABV</a:t>
+            </a:r>
+          </a:p>
+        </p:txBody>
+      </p:sp>
     </p:spTree>
     <p:extLst>
       <p:ext uri="{BB962C8B-B14F-4D97-AF65-F5344CB8AC3E}">
@@ -7787,7 +8725,7 @@
 </p:sld>
 </file>
 
-<file path=ppt/slides/slide18.xml><?xml version="1.0" encoding="utf-8"?>
+<file path=ppt/slides/slide21.xml><?xml version="1.0" encoding="utf-8"?>
 <p:sld xmlns:a="http://schemas.openxmlformats.org/drawingml/2006/main" xmlns:r="http://schemas.openxmlformats.org/officeDocument/2006/relationships" xmlns:p="http://schemas.openxmlformats.org/presentationml/2006/main">
   <p:cSld>
     <p:spTree>
@@ -7823,13 +8761,13 @@
         <p:spPr/>
         <p:txBody>
           <a:bodyPr>
-            <a:normAutofit/>
+            <a:noAutofit/>
           </a:bodyPr>
           <a:lstStyle/>
           <a:p>
             <a:r>
-              <a:rPr lang="en-US" sz="3000" dirty="0"/>
-              <a:t>7. Is there an apparent relationship between the bitterness of the beer and its alcoholic content? Draw a scatter plot.</a:t>
+              <a:rPr lang="en-US" sz="4000" dirty="0"/>
+              <a:t>Is there an apparent relationship between ABV and IBU?</a:t>
             </a:r>
           </a:p>
         </p:txBody>
@@ -7847,7 +8785,7 @@
 </p:sld>
 </file>
 
-<file path=ppt/slides/slide19.xml><?xml version="1.0" encoding="utf-8"?>
+<file path=ppt/slides/slide22.xml><?xml version="1.0" encoding="utf-8"?>
 <p:sld xmlns:a="http://schemas.openxmlformats.org/drawingml/2006/main" xmlns:r="http://schemas.openxmlformats.org/officeDocument/2006/relationships" xmlns:p="http://schemas.openxmlformats.org/presentationml/2006/main">
   <p:cSld>
     <p:spTree>
@@ -7886,7 +8824,7 @@
         </p:blipFill>
         <p:spPr>
           <a:xfrm>
-            <a:off x="1066411" y="840047"/>
+            <a:off x="1292043" y="840047"/>
             <a:ext cx="7090347" cy="5177905"/>
           </a:xfrm>
           <a:prstGeom prst="rect">
@@ -7908,8 +8846,8 @@
         </p:nvSpPr>
         <p:spPr>
           <a:xfrm>
-            <a:off x="8475834" y="2690335"/>
-            <a:ext cx="2816455" cy="1477328"/>
+            <a:off x="8772718" y="2459504"/>
+            <a:ext cx="2259460" cy="1938992"/>
           </a:xfrm>
           <a:prstGeom prst="rect">
             <a:avLst/>
@@ -7923,8 +8861,8 @@
           <a:lstStyle/>
           <a:p>
             <a:r>
-              <a:rPr lang="en-US" dirty="0"/>
-              <a:t>The correlation coefficient is 0.67 and that indicates a positive moderate relationship between the two variables.</a:t>
+              <a:rPr lang="en-US" sz="2000" dirty="0"/>
+              <a:t>The correlation coefficient is 0.67 and that indicates a positive strong relationship between the two variables.</a:t>
             </a:r>
           </a:p>
         </p:txBody>
@@ -7942,7 +8880,723 @@
 </p:sld>
 </file>
 
-<file path=ppt/slides/slide2.xml><?xml version="1.0" encoding="utf-8"?>
+<file path=ppt/slides/slide23.xml><?xml version="1.0" encoding="utf-8"?>
+<p:sld xmlns:a="http://schemas.openxmlformats.org/drawingml/2006/main" xmlns:r="http://schemas.openxmlformats.org/officeDocument/2006/relationships" xmlns:p="http://schemas.openxmlformats.org/presentationml/2006/main">
+  <p:cSld>
+    <p:spTree>
+      <p:nvGrpSpPr>
+        <p:cNvPr id="1" name=""/>
+        <p:cNvGrpSpPr/>
+        <p:nvPr/>
+      </p:nvGrpSpPr>
+      <p:grpSpPr>
+        <a:xfrm>
+          <a:off x="0" y="0"/>
+          <a:ext cx="0" cy="0"/>
+          <a:chOff x="0" y="0"/>
+          <a:chExt cx="0" cy="0"/>
+        </a:xfrm>
+      </p:grpSpPr>
+      <p:sp>
+        <p:nvSpPr>
+          <p:cNvPr id="2" name="Title 1">
+            <a:extLst>
+              <a:ext uri="{FF2B5EF4-FFF2-40B4-BE49-F238E27FC236}">
+                <a16:creationId xmlns:a16="http://schemas.microsoft.com/office/drawing/2014/main" id="{96BCD036-B940-49FE-B2C0-BE9D8CE47D6A}"/>
+              </a:ext>
+            </a:extLst>
+          </p:cNvPr>
+          <p:cNvSpPr>
+            <a:spLocks noGrp="1"/>
+          </p:cNvSpPr>
+          <p:nvPr>
+            <p:ph type="title"/>
+          </p:nvPr>
+        </p:nvSpPr>
+        <p:spPr/>
+        <p:txBody>
+          <a:bodyPr>
+            <a:noAutofit/>
+          </a:bodyPr>
+          <a:lstStyle/>
+          <a:p>
+            <a:r>
+              <a:rPr lang="en-US" sz="4000" dirty="0"/>
+              <a:t>What is the Arkansas beer market like?</a:t>
+            </a:r>
+          </a:p>
+        </p:txBody>
+      </p:sp>
+    </p:spTree>
+    <p:extLst>
+      <p:ext uri="{BB962C8B-B14F-4D97-AF65-F5344CB8AC3E}">
+        <p14:creationId xmlns:p14="http://schemas.microsoft.com/office/powerpoint/2010/main" val="3375226254"/>
+      </p:ext>
+    </p:extLst>
+  </p:cSld>
+  <p:clrMapOvr>
+    <a:masterClrMapping/>
+  </p:clrMapOvr>
+</p:sld>
+</file>
+
+<file path=ppt/slides/slide24.xml><?xml version="1.0" encoding="utf-8"?>
+<p:sld xmlns:a="http://schemas.openxmlformats.org/drawingml/2006/main" xmlns:r="http://schemas.openxmlformats.org/officeDocument/2006/relationships" xmlns:p="http://schemas.openxmlformats.org/presentationml/2006/main">
+  <p:cSld>
+    <p:spTree>
+      <p:nvGrpSpPr>
+        <p:cNvPr id="1" name=""/>
+        <p:cNvGrpSpPr/>
+        <p:nvPr/>
+      </p:nvGrpSpPr>
+      <p:grpSpPr>
+        <a:xfrm>
+          <a:off x="0" y="0"/>
+          <a:ext cx="0" cy="0"/>
+          <a:chOff x="0" y="0"/>
+          <a:chExt cx="0" cy="0"/>
+        </a:xfrm>
+      </p:grpSpPr>
+      <p:sp>
+        <p:nvSpPr>
+          <p:cNvPr id="6" name="Title 1">
+            <a:extLst>
+              <a:ext uri="{FF2B5EF4-FFF2-40B4-BE49-F238E27FC236}">
+                <a16:creationId xmlns:a16="http://schemas.microsoft.com/office/drawing/2014/main" id="{59C3C79A-8093-4ED2-8CB5-0D3F130AC8EF}"/>
+              </a:ext>
+            </a:extLst>
+          </p:cNvPr>
+          <p:cNvSpPr txBox="1">
+            <a:spLocks/>
+          </p:cNvSpPr>
+          <p:nvPr/>
+        </p:nvSpPr>
+        <p:spPr>
+          <a:xfrm>
+            <a:off x="1295402" y="676094"/>
+            <a:ext cx="9601196" cy="452065"/>
+          </a:xfrm>
+          <a:prstGeom prst="rect">
+            <a:avLst/>
+          </a:prstGeom>
+        </p:spPr>
+        <p:txBody>
+          <a:bodyPr>
+            <a:noAutofit/>
+          </a:bodyPr>
+          <a:lstStyle>
+            <a:lvl1pPr algn="ctr" defTabSz="457200" rtl="0" eaLnBrk="1" latinLnBrk="0" hangingPunct="1">
+              <a:spcBef>
+                <a:spcPct val="0"/>
+              </a:spcBef>
+              <a:buNone/>
+              <a:defRPr sz="4400" kern="1200" cap="none">
+                <a:ln w="3175" cmpd="sng">
+                  <a:noFill/>
+                </a:ln>
+                <a:solidFill>
+                  <a:schemeClr val="tx1">
+                    <a:lumMod val="85000"/>
+                    <a:lumOff val="15000"/>
+                  </a:schemeClr>
+                </a:solidFill>
+                <a:effectLst/>
+                <a:latin typeface="+mj-lt"/>
+                <a:ea typeface="+mj-ea"/>
+                <a:cs typeface="+mj-cs"/>
+              </a:defRPr>
+            </a:lvl1pPr>
+            <a:lvl2pPr eaLnBrk="1" hangingPunct="1">
+              <a:defRPr>
+                <a:solidFill>
+                  <a:schemeClr val="tx2"/>
+                </a:solidFill>
+              </a:defRPr>
+            </a:lvl2pPr>
+            <a:lvl3pPr eaLnBrk="1" hangingPunct="1">
+              <a:defRPr>
+                <a:solidFill>
+                  <a:schemeClr val="tx2"/>
+                </a:solidFill>
+              </a:defRPr>
+            </a:lvl3pPr>
+            <a:lvl4pPr eaLnBrk="1" hangingPunct="1">
+              <a:defRPr>
+                <a:solidFill>
+                  <a:schemeClr val="tx2"/>
+                </a:solidFill>
+              </a:defRPr>
+            </a:lvl4pPr>
+            <a:lvl5pPr eaLnBrk="1" hangingPunct="1">
+              <a:defRPr>
+                <a:solidFill>
+                  <a:schemeClr val="tx2"/>
+                </a:solidFill>
+              </a:defRPr>
+            </a:lvl5pPr>
+            <a:lvl6pPr eaLnBrk="1" hangingPunct="1">
+              <a:defRPr>
+                <a:solidFill>
+                  <a:schemeClr val="tx2"/>
+                </a:solidFill>
+              </a:defRPr>
+            </a:lvl6pPr>
+            <a:lvl7pPr eaLnBrk="1" hangingPunct="1">
+              <a:defRPr>
+                <a:solidFill>
+                  <a:schemeClr val="tx2"/>
+                </a:solidFill>
+              </a:defRPr>
+            </a:lvl7pPr>
+            <a:lvl8pPr eaLnBrk="1" hangingPunct="1">
+              <a:defRPr>
+                <a:solidFill>
+                  <a:schemeClr val="tx2"/>
+                </a:solidFill>
+              </a:defRPr>
+            </a:lvl8pPr>
+            <a:lvl9pPr eaLnBrk="1" hangingPunct="1">
+              <a:defRPr>
+                <a:solidFill>
+                  <a:schemeClr val="tx2"/>
+                </a:solidFill>
+              </a:defRPr>
+            </a:lvl9pPr>
+          </a:lstStyle>
+          <a:p>
+            <a:r>
+              <a:rPr lang="en-US" sz="2400" dirty="0"/>
+              <a:t>Arkansas Beer Market</a:t>
+            </a:r>
+          </a:p>
+        </p:txBody>
+      </p:sp>
+      <p:graphicFrame>
+        <p:nvGraphicFramePr>
+          <p:cNvPr id="5" name="Table 4">
+            <a:extLst>
+              <a:ext uri="{FF2B5EF4-FFF2-40B4-BE49-F238E27FC236}">
+                <a16:creationId xmlns:a16="http://schemas.microsoft.com/office/drawing/2014/main" id="{32148E29-3593-4E73-B06A-1F915EEBA513}"/>
+              </a:ext>
+            </a:extLst>
+          </p:cNvPr>
+          <p:cNvGraphicFramePr>
+            <a:graphicFrameLocks noGrp="1"/>
+          </p:cNvGraphicFramePr>
+          <p:nvPr>
+            <p:extLst>
+              <p:ext uri="{D42A27DB-BD31-4B8C-83A1-F6EECF244321}">
+                <p14:modId xmlns:p14="http://schemas.microsoft.com/office/powerpoint/2010/main" val="744958145"/>
+              </p:ext>
+            </p:extLst>
+          </p:nvPr>
+        </p:nvGraphicFramePr>
+        <p:xfrm>
+          <a:off x="2032000" y="1643380"/>
+          <a:ext cx="8128000" cy="3571240"/>
+        </p:xfrm>
+        <a:graphic>
+          <a:graphicData uri="http://schemas.openxmlformats.org/drawingml/2006/table">
+            <a:tbl>
+              <a:tblPr firstRow="1" bandRow="1">
+                <a:tableStyleId>{5C22544A-7EE6-4342-B048-85BDC9FD1C3A}</a:tableStyleId>
+              </a:tblPr>
+              <a:tblGrid>
+                <a:gridCol w="2032000">
+                  <a:extLst>
+                    <a:ext uri="{9D8B030D-6E8A-4147-A177-3AD203B41FA5}">
+                      <a16:colId xmlns:a16="http://schemas.microsoft.com/office/drawing/2014/main" val="3559942451"/>
+                    </a:ext>
+                  </a:extLst>
+                </a:gridCol>
+                <a:gridCol w="2032000">
+                  <a:extLst>
+                    <a:ext uri="{9D8B030D-6E8A-4147-A177-3AD203B41FA5}">
+                      <a16:colId xmlns:a16="http://schemas.microsoft.com/office/drawing/2014/main" val="1798301948"/>
+                    </a:ext>
+                  </a:extLst>
+                </a:gridCol>
+                <a:gridCol w="2032000">
+                  <a:extLst>
+                    <a:ext uri="{9D8B030D-6E8A-4147-A177-3AD203B41FA5}">
+                      <a16:colId xmlns:a16="http://schemas.microsoft.com/office/drawing/2014/main" val="1318735804"/>
+                    </a:ext>
+                  </a:extLst>
+                </a:gridCol>
+                <a:gridCol w="2032000">
+                  <a:extLst>
+                    <a:ext uri="{9D8B030D-6E8A-4147-A177-3AD203B41FA5}">
+                      <a16:colId xmlns:a16="http://schemas.microsoft.com/office/drawing/2014/main" val="2491575094"/>
+                    </a:ext>
+                  </a:extLst>
+                </a:gridCol>
+              </a:tblGrid>
+              <a:tr h="370840">
+                <a:tc>
+                  <a:txBody>
+                    <a:bodyPr/>
+                    <a:lstStyle/>
+                    <a:p>
+                      <a:r>
+                        <a:rPr lang="en-US" dirty="0"/>
+                        <a:t>Brewery</a:t>
+                      </a:r>
+                    </a:p>
+                  </a:txBody>
+                  <a:tcPr/>
+                </a:tc>
+                <a:tc>
+                  <a:txBody>
+                    <a:bodyPr/>
+                    <a:lstStyle/>
+                    <a:p>
+                      <a:r>
+                        <a:rPr lang="en-US" dirty="0"/>
+                        <a:t>Beer</a:t>
+                      </a:r>
+                    </a:p>
+                  </a:txBody>
+                  <a:tcPr/>
+                </a:tc>
+                <a:tc>
+                  <a:txBody>
+                    <a:bodyPr/>
+                    <a:lstStyle/>
+                    <a:p>
+                      <a:r>
+                        <a:rPr lang="en-US" dirty="0"/>
+                        <a:t>ABV</a:t>
+                      </a:r>
+                    </a:p>
+                  </a:txBody>
+                  <a:tcPr/>
+                </a:tc>
+                <a:tc>
+                  <a:txBody>
+                    <a:bodyPr/>
+                    <a:lstStyle/>
+                    <a:p>
+                      <a:r>
+                        <a:rPr lang="en-US" dirty="0"/>
+                        <a:t>IBU</a:t>
+                      </a:r>
+                    </a:p>
+                  </a:txBody>
+                  <a:tcPr/>
+                </a:tc>
+                <a:extLst>
+                  <a:ext uri="{0D108BD9-81ED-4DB2-BD59-A6C34878D82A}">
+                    <a16:rowId xmlns:a16="http://schemas.microsoft.com/office/drawing/2014/main" val="1938666368"/>
+                  </a:ext>
+                </a:extLst>
+              </a:tr>
+              <a:tr h="370840">
+                <a:tc>
+                  <a:txBody>
+                    <a:bodyPr/>
+                    <a:lstStyle/>
+                    <a:p>
+                      <a:r>
+                        <a:rPr lang="en-US" dirty="0"/>
+                        <a:t>Core Brewing &amp; Distilling Company</a:t>
+                      </a:r>
+                    </a:p>
+                  </a:txBody>
+                  <a:tcPr/>
+                </a:tc>
+                <a:tc>
+                  <a:txBody>
+                    <a:bodyPr/>
+                    <a:lstStyle/>
+                    <a:p>
+                      <a:pPr marL="0" marR="0" lvl="0" indent="0" algn="l" defTabSz="457200" rtl="0" eaLnBrk="1" fontAlgn="auto" latinLnBrk="0" hangingPunct="1">
+                        <a:lnSpc>
+                          <a:spcPct val="100000"/>
+                        </a:lnSpc>
+                        <a:spcBef>
+                          <a:spcPts val="0"/>
+                        </a:spcBef>
+                        <a:spcAft>
+                          <a:spcPts val="0"/>
+                        </a:spcAft>
+                        <a:buClrTx/>
+                        <a:buSzTx/>
+                        <a:buFontTx/>
+                        <a:buNone/>
+                        <a:tabLst/>
+                        <a:defRPr/>
+                      </a:pPr>
+                      <a:r>
+                        <a:rPr lang="en-US" dirty="0"/>
+                        <a:t>Core ESB</a:t>
+                      </a:r>
+                    </a:p>
+                  </a:txBody>
+                  <a:tcPr/>
+                </a:tc>
+                <a:tc>
+                  <a:txBody>
+                    <a:bodyPr/>
+                    <a:lstStyle/>
+                    <a:p>
+                      <a:r>
+                        <a:rPr lang="en-US" dirty="0"/>
+                        <a:t>0.061</a:t>
+                      </a:r>
+                    </a:p>
+                  </a:txBody>
+                  <a:tcPr/>
+                </a:tc>
+                <a:tc>
+                  <a:txBody>
+                    <a:bodyPr/>
+                    <a:lstStyle/>
+                    <a:p>
+                      <a:r>
+                        <a:rPr lang="en-US" dirty="0"/>
+                        <a:t>N/A</a:t>
+                      </a:r>
+                    </a:p>
+                  </a:txBody>
+                  <a:tcPr/>
+                </a:tc>
+                <a:extLst>
+                  <a:ext uri="{0D108BD9-81ED-4DB2-BD59-A6C34878D82A}">
+                    <a16:rowId xmlns:a16="http://schemas.microsoft.com/office/drawing/2014/main" val="1533441397"/>
+                  </a:ext>
+                </a:extLst>
+              </a:tr>
+              <a:tr h="370840">
+                <a:tc>
+                  <a:txBody>
+                    <a:bodyPr/>
+                    <a:lstStyle/>
+                    <a:p>
+                      <a:r>
+                        <a:rPr lang="en-US" dirty="0"/>
+                        <a:t>Core Brewing &amp; Distilling Company</a:t>
+                      </a:r>
+                    </a:p>
+                  </a:txBody>
+                  <a:tcPr/>
+                </a:tc>
+                <a:tc>
+                  <a:txBody>
+                    <a:bodyPr/>
+                    <a:lstStyle/>
+                    <a:p>
+                      <a:r>
+                        <a:rPr lang="en-US" dirty="0"/>
+                        <a:t>Core Oatmeal Stout</a:t>
+                      </a:r>
+                    </a:p>
+                  </a:txBody>
+                  <a:tcPr/>
+                </a:tc>
+                <a:tc>
+                  <a:txBody>
+                    <a:bodyPr/>
+                    <a:lstStyle/>
+                    <a:p>
+                      <a:r>
+                        <a:rPr lang="en-US" dirty="0"/>
+                        <a:t>0.057</a:t>
+                      </a:r>
+                    </a:p>
+                  </a:txBody>
+                  <a:tcPr/>
+                </a:tc>
+                <a:tc>
+                  <a:txBody>
+                    <a:bodyPr/>
+                    <a:lstStyle/>
+                    <a:p>
+                      <a:pPr marL="0" marR="0" lvl="0" indent="0" algn="l" defTabSz="457200" rtl="0" eaLnBrk="1" fontAlgn="auto" latinLnBrk="0" hangingPunct="1">
+                        <a:lnSpc>
+                          <a:spcPct val="100000"/>
+                        </a:lnSpc>
+                        <a:spcBef>
+                          <a:spcPts val="0"/>
+                        </a:spcBef>
+                        <a:spcAft>
+                          <a:spcPts val="0"/>
+                        </a:spcAft>
+                        <a:buClrTx/>
+                        <a:buSzTx/>
+                        <a:buFontTx/>
+                        <a:buNone/>
+                        <a:tabLst/>
+                        <a:defRPr/>
+                      </a:pPr>
+                      <a:r>
+                        <a:rPr lang="en-US" dirty="0"/>
+                        <a:t>N/A</a:t>
+                      </a:r>
+                    </a:p>
+                    <a:p>
+                      <a:endParaRPr lang="en-US" dirty="0"/>
+                    </a:p>
+                  </a:txBody>
+                  <a:tcPr/>
+                </a:tc>
+                <a:extLst>
+                  <a:ext uri="{0D108BD9-81ED-4DB2-BD59-A6C34878D82A}">
+                    <a16:rowId xmlns:a16="http://schemas.microsoft.com/office/drawing/2014/main" val="3250087961"/>
+                  </a:ext>
+                </a:extLst>
+              </a:tr>
+              <a:tr h="370840">
+                <a:tc>
+                  <a:txBody>
+                    <a:bodyPr/>
+                    <a:lstStyle/>
+                    <a:p>
+                      <a:r>
+                        <a:rPr lang="en-US" dirty="0"/>
+                        <a:t>Core Brewing &amp; Distilling Company</a:t>
+                      </a:r>
+                    </a:p>
+                  </a:txBody>
+                  <a:tcPr/>
+                </a:tc>
+                <a:tc>
+                  <a:txBody>
+                    <a:bodyPr/>
+                    <a:lstStyle/>
+                    <a:p>
+                      <a:r>
+                        <a:rPr lang="en-US" dirty="0"/>
+                        <a:t>Arkansas Red</a:t>
+                      </a:r>
+                    </a:p>
+                  </a:txBody>
+                  <a:tcPr/>
+                </a:tc>
+                <a:tc>
+                  <a:txBody>
+                    <a:bodyPr/>
+                    <a:lstStyle/>
+                    <a:p>
+                      <a:r>
+                        <a:rPr lang="en-US" dirty="0"/>
+                        <a:t>0.052</a:t>
+                      </a:r>
+                    </a:p>
+                  </a:txBody>
+                  <a:tcPr/>
+                </a:tc>
+                <a:tc>
+                  <a:txBody>
+                    <a:bodyPr/>
+                    <a:lstStyle/>
+                    <a:p>
+                      <a:pPr marL="0" marR="0" lvl="0" indent="0" algn="l" defTabSz="457200" rtl="0" eaLnBrk="1" fontAlgn="auto" latinLnBrk="0" hangingPunct="1">
+                        <a:lnSpc>
+                          <a:spcPct val="100000"/>
+                        </a:lnSpc>
+                        <a:spcBef>
+                          <a:spcPts val="0"/>
+                        </a:spcBef>
+                        <a:spcAft>
+                          <a:spcPts val="0"/>
+                        </a:spcAft>
+                        <a:buClrTx/>
+                        <a:buSzTx/>
+                        <a:buFontTx/>
+                        <a:buNone/>
+                        <a:tabLst/>
+                        <a:defRPr/>
+                      </a:pPr>
+                      <a:r>
+                        <a:rPr lang="en-US" dirty="0"/>
+                        <a:t>N/A</a:t>
+                      </a:r>
+                    </a:p>
+                    <a:p>
+                      <a:endParaRPr lang="en-US" dirty="0"/>
+                    </a:p>
+                  </a:txBody>
+                  <a:tcPr/>
+                </a:tc>
+                <a:extLst>
+                  <a:ext uri="{0D108BD9-81ED-4DB2-BD59-A6C34878D82A}">
+                    <a16:rowId xmlns:a16="http://schemas.microsoft.com/office/drawing/2014/main" val="2727540959"/>
+                  </a:ext>
+                </a:extLst>
+              </a:tr>
+              <a:tr h="370840">
+                <a:tc>
+                  <a:txBody>
+                    <a:bodyPr/>
+                    <a:lstStyle/>
+                    <a:p>
+                      <a:r>
+                        <a:rPr lang="en-US" dirty="0"/>
+                        <a:t>Core Brewing &amp; Distilling Company</a:t>
+                      </a:r>
+                    </a:p>
+                  </a:txBody>
+                  <a:tcPr/>
+                </a:tc>
+                <a:tc>
+                  <a:txBody>
+                    <a:bodyPr/>
+                    <a:lstStyle/>
+                    <a:p>
+                      <a:r>
+                        <a:rPr lang="en-US" dirty="0"/>
+                        <a:t>Behemoth</a:t>
+                      </a:r>
+                    </a:p>
+                  </a:txBody>
+                  <a:tcPr/>
+                </a:tc>
+                <a:tc>
+                  <a:txBody>
+                    <a:bodyPr/>
+                    <a:lstStyle/>
+                    <a:p>
+                      <a:r>
+                        <a:rPr lang="en-US" dirty="0"/>
+                        <a:t>0.05</a:t>
+                      </a:r>
+                    </a:p>
+                  </a:txBody>
+                  <a:tcPr/>
+                </a:tc>
+                <a:tc>
+                  <a:txBody>
+                    <a:bodyPr/>
+                    <a:lstStyle/>
+                    <a:p>
+                      <a:pPr marL="0" marR="0" lvl="0" indent="0" algn="l" defTabSz="457200" rtl="0" eaLnBrk="1" fontAlgn="auto" latinLnBrk="0" hangingPunct="1">
+                        <a:lnSpc>
+                          <a:spcPct val="100000"/>
+                        </a:lnSpc>
+                        <a:spcBef>
+                          <a:spcPts val="0"/>
+                        </a:spcBef>
+                        <a:spcAft>
+                          <a:spcPts val="0"/>
+                        </a:spcAft>
+                        <a:buClrTx/>
+                        <a:buSzTx/>
+                        <a:buFontTx/>
+                        <a:buNone/>
+                        <a:tabLst/>
+                        <a:defRPr/>
+                      </a:pPr>
+                      <a:r>
+                        <a:rPr lang="en-US" dirty="0"/>
+                        <a:t>N/A</a:t>
+                      </a:r>
+                    </a:p>
+                    <a:p>
+                      <a:endParaRPr lang="en-US" dirty="0"/>
+                    </a:p>
+                  </a:txBody>
+                  <a:tcPr/>
+                </a:tc>
+                <a:extLst>
+                  <a:ext uri="{0D108BD9-81ED-4DB2-BD59-A6C34878D82A}">
+                    <a16:rowId xmlns:a16="http://schemas.microsoft.com/office/drawing/2014/main" val="2534518833"/>
+                  </a:ext>
+                </a:extLst>
+              </a:tr>
+              <a:tr h="370840">
+                <a:tc>
+                  <a:txBody>
+                    <a:bodyPr/>
+                    <a:lstStyle/>
+                    <a:p>
+                      <a:r>
+                        <a:rPr lang="en-US" dirty="0"/>
+                        <a:t>Ozark Beer Company</a:t>
+                      </a:r>
+                    </a:p>
+                  </a:txBody>
+                  <a:tcPr/>
+                </a:tc>
+                <a:tc>
+                  <a:txBody>
+                    <a:bodyPr/>
+                    <a:lstStyle/>
+                    <a:p>
+                      <a:pPr marL="0" marR="0" lvl="0" indent="0" algn="l" defTabSz="457200" rtl="0" eaLnBrk="1" fontAlgn="auto" latinLnBrk="0" hangingPunct="1">
+                        <a:lnSpc>
+                          <a:spcPct val="100000"/>
+                        </a:lnSpc>
+                        <a:spcBef>
+                          <a:spcPts val="0"/>
+                        </a:spcBef>
+                        <a:spcAft>
+                          <a:spcPts val="0"/>
+                        </a:spcAft>
+                        <a:buClrTx/>
+                        <a:buSzTx/>
+                        <a:buFontTx/>
+                        <a:buNone/>
+                        <a:tabLst/>
+                        <a:defRPr/>
+                      </a:pPr>
+                      <a:r>
+                        <a:rPr lang="en-US" dirty="0"/>
+                        <a:t>Ozark American Pale Ale</a:t>
+                      </a:r>
+                    </a:p>
+                  </a:txBody>
+                  <a:tcPr/>
+                </a:tc>
+                <a:tc>
+                  <a:txBody>
+                    <a:bodyPr/>
+                    <a:lstStyle/>
+                    <a:p>
+                      <a:r>
+                        <a:rPr lang="en-US" dirty="0"/>
+                        <a:t>0.04</a:t>
+                      </a:r>
+                    </a:p>
+                  </a:txBody>
+                  <a:tcPr/>
+                </a:tc>
+                <a:tc>
+                  <a:txBody>
+                    <a:bodyPr/>
+                    <a:lstStyle/>
+                    <a:p>
+                      <a:r>
+                        <a:rPr lang="en-US" dirty="0"/>
+                        <a:t>39</a:t>
+                      </a:r>
+                    </a:p>
+                  </a:txBody>
+                  <a:tcPr/>
+                </a:tc>
+                <a:extLst>
+                  <a:ext uri="{0D108BD9-81ED-4DB2-BD59-A6C34878D82A}">
+                    <a16:rowId xmlns:a16="http://schemas.microsoft.com/office/drawing/2014/main" val="3001062783"/>
+                  </a:ext>
+                </a:extLst>
+              </a:tr>
+            </a:tbl>
+          </a:graphicData>
+        </a:graphic>
+      </p:graphicFrame>
+    </p:spTree>
+    <p:extLst>
+      <p:ext uri="{BB962C8B-B14F-4D97-AF65-F5344CB8AC3E}">
+        <p14:creationId xmlns:p14="http://schemas.microsoft.com/office/powerpoint/2010/main" val="4059923130"/>
+      </p:ext>
+    </p:extLst>
+  </p:cSld>
+  <p:clrMapOvr>
+    <a:masterClrMapping/>
+  </p:clrMapOvr>
+</p:sld>
+</file>
+
+<file path=ppt/slides/slide25.xml><?xml version="1.0" encoding="utf-8"?>
 <p:sld xmlns:a="http://schemas.openxmlformats.org/drawingml/2006/main" xmlns:r="http://schemas.openxmlformats.org/officeDocument/2006/relationships" xmlns:p="http://schemas.openxmlformats.org/presentationml/2006/main">
   <p:cSld>
     <p:spTree>
@@ -7977,12 +9631,14 @@
         </p:nvSpPr>
         <p:spPr/>
         <p:txBody>
-          <a:bodyPr/>
+          <a:bodyPr>
+            <a:normAutofit/>
+          </a:bodyPr>
           <a:lstStyle/>
           <a:p>
             <a:r>
-              <a:rPr lang="en-US" dirty="0"/>
-              <a:t>Introduction</a:t>
+              <a:rPr lang="en-US" sz="4000" dirty="0"/>
+              <a:t>Conclusion</a:t>
             </a:r>
           </a:p>
         </p:txBody>
@@ -8005,98 +9661,29 @@
         </p:nvSpPr>
         <p:spPr/>
         <p:txBody>
-          <a:bodyPr/>
+          <a:bodyPr>
+            <a:normAutofit/>
+          </a:bodyPr>
           <a:lstStyle/>
           <a:p>
+            <a:pPr marL="0" indent="0">
+              <a:buNone/>
+            </a:pPr>
             <a:r>
-              <a:rPr lang="en-US" dirty="0"/>
-              <a:t>Hello…</a:t>
+              <a:rPr lang="en-US" sz="3000" dirty="0"/>
+              <a:t>We can conclude from the analysis that:</a:t>
             </a:r>
           </a:p>
-        </p:txBody>
-      </p:sp>
-    </p:spTree>
-    <p:extLst>
-      <p:ext uri="{BB962C8B-B14F-4D97-AF65-F5344CB8AC3E}">
-        <p14:creationId xmlns:p14="http://schemas.microsoft.com/office/powerpoint/2010/main" val="3903169312"/>
-      </p:ext>
-    </p:extLst>
-  </p:cSld>
-  <p:clrMapOvr>
-    <a:masterClrMapping/>
-  </p:clrMapOvr>
-</p:sld>
-</file>
-
-<file path=ppt/slides/slide20.xml><?xml version="1.0" encoding="utf-8"?>
-<p:sld xmlns:a="http://schemas.openxmlformats.org/drawingml/2006/main" xmlns:r="http://schemas.openxmlformats.org/officeDocument/2006/relationships" xmlns:p="http://schemas.openxmlformats.org/presentationml/2006/main">
-  <p:cSld>
-    <p:spTree>
-      <p:nvGrpSpPr>
-        <p:cNvPr id="1" name=""/>
-        <p:cNvGrpSpPr/>
-        <p:nvPr/>
-      </p:nvGrpSpPr>
-      <p:grpSpPr>
-        <a:xfrm>
-          <a:off x="0" y="0"/>
-          <a:ext cx="0" cy="0"/>
-          <a:chOff x="0" y="0"/>
-          <a:chExt cx="0" cy="0"/>
-        </a:xfrm>
-      </p:grpSpPr>
-      <p:sp>
-        <p:nvSpPr>
-          <p:cNvPr id="2" name="Title 1">
-            <a:extLst>
-              <a:ext uri="{FF2B5EF4-FFF2-40B4-BE49-F238E27FC236}">
-                <a16:creationId xmlns:a16="http://schemas.microsoft.com/office/drawing/2014/main" id="{347E29E1-2E2A-4452-A15C-E16C217CF345}"/>
-              </a:ext>
-            </a:extLst>
-          </p:cNvPr>
-          <p:cNvSpPr>
-            <a:spLocks noGrp="1"/>
-          </p:cNvSpPr>
-          <p:nvPr>
-            <p:ph type="title"/>
-          </p:nvPr>
-        </p:nvSpPr>
-        <p:spPr/>
-        <p:txBody>
-          <a:bodyPr/>
-          <a:lstStyle/>
           <a:p>
             <a:r>
-              <a:rPr lang="en-US" dirty="0"/>
-              <a:t>Conclusion</a:t>
+              <a:rPr lang="en-US" sz="3000" dirty="0"/>
+              <a:t>Arkansas would be the best state to open a new brewery because it has a population of 3 million and only 2 breweries.</a:t>
             </a:r>
           </a:p>
-        </p:txBody>
-      </p:sp>
-      <p:sp>
-        <p:nvSpPr>
-          <p:cNvPr id="3" name="Content Placeholder 2">
-            <a:extLst>
-              <a:ext uri="{FF2B5EF4-FFF2-40B4-BE49-F238E27FC236}">
-                <a16:creationId xmlns:a16="http://schemas.microsoft.com/office/drawing/2014/main" id="{ED4F31D2-1BAB-4EF1-815E-A0A4A9FC7EF0}"/>
-              </a:ext>
-            </a:extLst>
-          </p:cNvPr>
-          <p:cNvSpPr>
-            <a:spLocks noGrp="1"/>
-          </p:cNvSpPr>
-          <p:nvPr>
-            <p:ph idx="1"/>
-          </p:nvPr>
-        </p:nvSpPr>
-        <p:spPr/>
-        <p:txBody>
-          <a:bodyPr/>
-          <a:lstStyle/>
           <a:p>
             <a:r>
-              <a:rPr lang="en-US" dirty="0"/>
-              <a:t>In conclusion…</a:t>
+              <a:rPr lang="en-US" sz="3000" dirty="0"/>
+              <a:t>Since the 2 breweries offer beers with low alcohol and bitter content, the new brewery should offer beer with higher alcohol and bitter content to fill that niche/void.</a:t>
             </a:r>
           </a:p>
         </p:txBody>
@@ -8149,12 +9736,14 @@
         </p:nvSpPr>
         <p:spPr/>
         <p:txBody>
-          <a:bodyPr/>
+          <a:bodyPr>
+            <a:normAutofit/>
+          </a:bodyPr>
           <a:lstStyle/>
           <a:p>
             <a:r>
-              <a:rPr lang="en-US" dirty="0"/>
-              <a:t>1.	How many breweries are present in each state?</a:t>
+              <a:rPr lang="en-US" sz="4000" dirty="0"/>
+              <a:t>How many breweries are present in each state?</a:t>
             </a:r>
           </a:p>
         </p:txBody>
@@ -8202,7 +9791,7 @@
           <p:nvPr>
             <p:extLst>
               <p:ext uri="{D42A27DB-BD31-4B8C-83A1-F6EECF244321}">
-                <p14:modId xmlns:p14="http://schemas.microsoft.com/office/powerpoint/2010/main" val="3850962873"/>
+                <p14:modId xmlns:p14="http://schemas.microsoft.com/office/powerpoint/2010/main" val="275897573"/>
               </p:ext>
             </p:extLst>
           </p:nvPr>
@@ -8266,13 +9855,13 @@
         <p:spPr/>
         <p:txBody>
           <a:bodyPr>
-            <a:normAutofit/>
+            <a:noAutofit/>
           </a:bodyPr>
           <a:lstStyle/>
           <a:p>
             <a:r>
-              <a:rPr lang="en-US" sz="3000" dirty="0"/>
-              <a:t>2. Merge beer data with the breweries data. Print the first 6 observations and the last six observations to check the merged file.</a:t>
+              <a:rPr lang="en-US" sz="4000" dirty="0"/>
+              <a:t>What are the first six observations of the merged beer and breweries data?</a:t>
             </a:r>
           </a:p>
         </p:txBody>
@@ -8280,7 +9869,7 @@
     </p:spTree>
     <p:extLst>
       <p:ext uri="{BB962C8B-B14F-4D97-AF65-F5344CB8AC3E}">
-        <p14:creationId xmlns:p14="http://schemas.microsoft.com/office/powerpoint/2010/main" val="3033703867"/>
+        <p14:creationId xmlns:p14="http://schemas.microsoft.com/office/powerpoint/2010/main" val="2139604929"/>
       </p:ext>
     </p:extLst>
   </p:cSld>
@@ -8312,7 +9901,7 @@
           <p:cNvPr id="2" name="Table 1">
             <a:extLst>
               <a:ext uri="{FF2B5EF4-FFF2-40B4-BE49-F238E27FC236}">
-                <a16:creationId xmlns:a16="http://schemas.microsoft.com/office/drawing/2014/main" id="{18CE85D5-A536-4D6B-944C-738C86F52977}"/>
+                <a16:creationId xmlns:a16="http://schemas.microsoft.com/office/drawing/2014/main" id="{1F6321DE-93B4-4C32-9E72-CB15326424BF}"/>
               </a:ext>
             </a:extLst>
           </p:cNvPr>
@@ -8322,7 +9911,7 @@
           <p:nvPr>
             <p:extLst>
               <p:ext uri="{D42A27DB-BD31-4B8C-83A1-F6EECF244321}">
-                <p14:modId xmlns:p14="http://schemas.microsoft.com/office/powerpoint/2010/main" val="157740753"/>
+                <p14:modId xmlns:p14="http://schemas.microsoft.com/office/powerpoint/2010/main" val="1712876804"/>
               </p:ext>
             </p:extLst>
           </p:nvPr>
@@ -8662,16 +10251,10 @@
                     <a:lstStyle/>
                     <a:p>
                       <a:r>
-                        <a:rPr lang="en-US" sz="1400" dirty="0" err="1">
-                          <a:effectLst/>
-                        </a:rPr>
-                        <a:t>NorthGate</a:t>
-                      </a:r>
-                      <a:r>
                         <a:rPr lang="en-US" sz="1400" dirty="0">
                           <a:effectLst/>
                         </a:rPr>
-                        <a:t> Brewing</a:t>
+                        <a:t>NorthGate Brewing</a:t>
                       </a:r>
                       <a:endParaRPr lang="en-US" sz="1400" dirty="0"/>
                     </a:p>
@@ -8826,16 +10409,10 @@
                     <a:lstStyle/>
                     <a:p>
                       <a:r>
-                        <a:rPr lang="en-US" sz="1400" dirty="0" err="1">
-                          <a:effectLst/>
-                        </a:rPr>
-                        <a:t>NorthGate</a:t>
-                      </a:r>
-                      <a:r>
                         <a:rPr lang="en-US" sz="1400" dirty="0">
                           <a:effectLst/>
                         </a:rPr>
-                        <a:t> Brewing</a:t>
+                        <a:t>NorthGate Brewing</a:t>
                       </a:r>
                       <a:endParaRPr lang="en-US" sz="1400" dirty="0"/>
                     </a:p>
@@ -8990,16 +10567,10 @@
                     <a:lstStyle/>
                     <a:p>
                       <a:r>
-                        <a:rPr lang="en-US" sz="1400" dirty="0" err="1">
-                          <a:effectLst/>
-                        </a:rPr>
-                        <a:t>NorthGate</a:t>
-                      </a:r>
-                      <a:r>
                         <a:rPr lang="en-US" sz="1400" dirty="0">
                           <a:effectLst/>
                         </a:rPr>
-                        <a:t> Brewing</a:t>
+                        <a:t>NorthGate Brewing</a:t>
                       </a:r>
                       <a:endParaRPr lang="en-US" sz="1400" dirty="0"/>
                     </a:p>
@@ -9064,10 +10635,9 @@
                     <a:lstStyle/>
                     <a:p>
                       <a:r>
-                        <a:rPr lang="en-US" sz="1400" dirty="0" err="1"/>
+                        <a:rPr lang="en-US" sz="1400" dirty="0"/>
                         <a:t>Pumpion</a:t>
                       </a:r>
-                      <a:endParaRPr lang="en-US" sz="1400" dirty="0"/>
                     </a:p>
                   </a:txBody>
                   <a:tcPr/>
@@ -9152,16 +10722,10 @@
                     <a:lstStyle/>
                     <a:p>
                       <a:r>
-                        <a:rPr lang="en-US" sz="1400" dirty="0" err="1">
-                          <a:effectLst/>
-                        </a:rPr>
-                        <a:t>NorthGate</a:t>
-                      </a:r>
-                      <a:r>
                         <a:rPr lang="en-US" sz="1400" dirty="0">
                           <a:effectLst/>
                         </a:rPr>
-                        <a:t> Brewing</a:t>
+                        <a:t>NorthGate Brewing</a:t>
                       </a:r>
                       <a:endParaRPr lang="en-US" sz="1400" dirty="0"/>
                     </a:p>
@@ -9313,16 +10877,10 @@
                     <a:lstStyle/>
                     <a:p>
                       <a:r>
-                        <a:rPr lang="en-US" sz="1400" dirty="0" err="1">
-                          <a:effectLst/>
-                        </a:rPr>
-                        <a:t>NorthGate</a:t>
-                      </a:r>
-                      <a:r>
                         <a:rPr lang="en-US" sz="1400" dirty="0">
                           <a:effectLst/>
                         </a:rPr>
-                        <a:t> Brewing</a:t>
+                        <a:t>NorthGate Brewing</a:t>
                       </a:r>
                       <a:endParaRPr lang="en-US" sz="1400" dirty="0"/>
                     </a:p>
@@ -9474,16 +11032,10 @@
                     <a:lstStyle/>
                     <a:p>
                       <a:r>
-                        <a:rPr lang="en-US" sz="1400" dirty="0" err="1">
-                          <a:effectLst/>
-                        </a:rPr>
-                        <a:t>NorthGate</a:t>
-                      </a:r>
-                      <a:r>
                         <a:rPr lang="en-US" sz="1400" dirty="0">
                           <a:effectLst/>
                         </a:rPr>
-                        <a:t> Brewing</a:t>
+                        <a:t>NorthGate Brewing</a:t>
                       </a:r>
                       <a:endParaRPr lang="en-US" sz="1400" dirty="0"/>
                     </a:p>
@@ -9532,10 +11084,124 @@
           </a:graphicData>
         </a:graphic>
       </p:graphicFrame>
+      <p:sp>
+        <p:nvSpPr>
+          <p:cNvPr id="6" name="Title 1">
+            <a:extLst>
+              <a:ext uri="{FF2B5EF4-FFF2-40B4-BE49-F238E27FC236}">
+                <a16:creationId xmlns:a16="http://schemas.microsoft.com/office/drawing/2014/main" id="{214CB2F9-D121-40BD-BD70-471F5AEA20C0}"/>
+              </a:ext>
+            </a:extLst>
+          </p:cNvPr>
+          <p:cNvSpPr txBox="1">
+            <a:spLocks/>
+          </p:cNvSpPr>
+          <p:nvPr/>
+        </p:nvSpPr>
+        <p:spPr>
+          <a:xfrm>
+            <a:off x="1295402" y="794844"/>
+            <a:ext cx="9601196" cy="452065"/>
+          </a:xfrm>
+          <a:prstGeom prst="rect">
+            <a:avLst/>
+          </a:prstGeom>
+        </p:spPr>
+        <p:txBody>
+          <a:bodyPr>
+            <a:noAutofit/>
+          </a:bodyPr>
+          <a:lstStyle>
+            <a:lvl1pPr algn="ctr" defTabSz="457200" rtl="0" eaLnBrk="1" latinLnBrk="0" hangingPunct="1">
+              <a:spcBef>
+                <a:spcPct val="0"/>
+              </a:spcBef>
+              <a:buNone/>
+              <a:defRPr sz="4400" kern="1200" cap="none">
+                <a:ln w="3175" cmpd="sng">
+                  <a:noFill/>
+                </a:ln>
+                <a:solidFill>
+                  <a:schemeClr val="tx1">
+                    <a:lumMod val="85000"/>
+                    <a:lumOff val="15000"/>
+                  </a:schemeClr>
+                </a:solidFill>
+                <a:effectLst/>
+                <a:latin typeface="+mj-lt"/>
+                <a:ea typeface="+mj-ea"/>
+                <a:cs typeface="+mj-cs"/>
+              </a:defRPr>
+            </a:lvl1pPr>
+            <a:lvl2pPr eaLnBrk="1" hangingPunct="1">
+              <a:defRPr>
+                <a:solidFill>
+                  <a:schemeClr val="tx2"/>
+                </a:solidFill>
+              </a:defRPr>
+            </a:lvl2pPr>
+            <a:lvl3pPr eaLnBrk="1" hangingPunct="1">
+              <a:defRPr>
+                <a:solidFill>
+                  <a:schemeClr val="tx2"/>
+                </a:solidFill>
+              </a:defRPr>
+            </a:lvl3pPr>
+            <a:lvl4pPr eaLnBrk="1" hangingPunct="1">
+              <a:defRPr>
+                <a:solidFill>
+                  <a:schemeClr val="tx2"/>
+                </a:solidFill>
+              </a:defRPr>
+            </a:lvl4pPr>
+            <a:lvl5pPr eaLnBrk="1" hangingPunct="1">
+              <a:defRPr>
+                <a:solidFill>
+                  <a:schemeClr val="tx2"/>
+                </a:solidFill>
+              </a:defRPr>
+            </a:lvl5pPr>
+            <a:lvl6pPr eaLnBrk="1" hangingPunct="1">
+              <a:defRPr>
+                <a:solidFill>
+                  <a:schemeClr val="tx2"/>
+                </a:solidFill>
+              </a:defRPr>
+            </a:lvl6pPr>
+            <a:lvl7pPr eaLnBrk="1" hangingPunct="1">
+              <a:defRPr>
+                <a:solidFill>
+                  <a:schemeClr val="tx2"/>
+                </a:solidFill>
+              </a:defRPr>
+            </a:lvl7pPr>
+            <a:lvl8pPr eaLnBrk="1" hangingPunct="1">
+              <a:defRPr>
+                <a:solidFill>
+                  <a:schemeClr val="tx2"/>
+                </a:solidFill>
+              </a:defRPr>
+            </a:lvl8pPr>
+            <a:lvl9pPr eaLnBrk="1" hangingPunct="1">
+              <a:defRPr>
+                <a:solidFill>
+                  <a:schemeClr val="tx2"/>
+                </a:solidFill>
+              </a:defRPr>
+            </a:lvl9pPr>
+          </a:lstStyle>
+          <a:p>
+            <a:r>
+              <a:rPr lang="en-US" sz="2400" dirty="0"/>
+              <a:t>First Six Observations</a:t>
+            </a:r>
+          </a:p>
+        </p:txBody>
+      </p:sp>
     </p:spTree>
     <p:extLst>
       <p:ext uri="{BB962C8B-B14F-4D97-AF65-F5344CB8AC3E}">
-        <p14:creationId xmlns:p14="http://schemas.microsoft.com/office/powerpoint/2010/main" val="2813333902"/>
+        <p14:creationId xmlns:p14="http://schemas.microsoft.com/office/powerpoint/2010/main" val="3888851350"/>
       </p:ext>
     </p:extLst>
   </p:cSld>
@@ -9562,12 +11228,186 @@
           <a:chExt cx="0" cy="0"/>
         </a:xfrm>
       </p:grpSpPr>
+      <p:sp>
+        <p:nvSpPr>
+          <p:cNvPr id="2" name="Title 1">
+            <a:extLst>
+              <a:ext uri="{FF2B5EF4-FFF2-40B4-BE49-F238E27FC236}">
+                <a16:creationId xmlns:a16="http://schemas.microsoft.com/office/drawing/2014/main" id="{96BCD036-B940-49FE-B2C0-BE9D8CE47D6A}"/>
+              </a:ext>
+            </a:extLst>
+          </p:cNvPr>
+          <p:cNvSpPr>
+            <a:spLocks noGrp="1"/>
+          </p:cNvSpPr>
+          <p:nvPr>
+            <p:ph type="title"/>
+          </p:nvPr>
+        </p:nvSpPr>
+        <p:spPr/>
+        <p:txBody>
+          <a:bodyPr>
+            <a:normAutofit/>
+          </a:bodyPr>
+          <a:lstStyle/>
+          <a:p>
+            <a:r>
+              <a:rPr lang="en-US" sz="4000" dirty="0"/>
+              <a:t>What are the last six observations of the merged beer and breweries data?</a:t>
+            </a:r>
+          </a:p>
+        </p:txBody>
+      </p:sp>
+    </p:spTree>
+    <p:extLst>
+      <p:ext uri="{BB962C8B-B14F-4D97-AF65-F5344CB8AC3E}">
+        <p14:creationId xmlns:p14="http://schemas.microsoft.com/office/powerpoint/2010/main" val="3844321518"/>
+      </p:ext>
+    </p:extLst>
+  </p:cSld>
+  <p:clrMapOvr>
+    <a:masterClrMapping/>
+  </p:clrMapOvr>
+</p:sld>
+</file>
+
+<file path=ppt/slides/slide8.xml><?xml version="1.0" encoding="utf-8"?>
+<p:sld xmlns:a="http://schemas.openxmlformats.org/drawingml/2006/main" xmlns:r="http://schemas.openxmlformats.org/officeDocument/2006/relationships" xmlns:p="http://schemas.openxmlformats.org/presentationml/2006/main">
+  <p:cSld>
+    <p:spTree>
+      <p:nvGrpSpPr>
+        <p:cNvPr id="1" name=""/>
+        <p:cNvGrpSpPr/>
+        <p:nvPr/>
+      </p:nvGrpSpPr>
+      <p:grpSpPr>
+        <a:xfrm>
+          <a:off x="0" y="0"/>
+          <a:ext cx="0" cy="0"/>
+          <a:chOff x="0" y="0"/>
+          <a:chExt cx="0" cy="0"/>
+        </a:xfrm>
+      </p:grpSpPr>
+      <p:sp>
+        <p:nvSpPr>
+          <p:cNvPr id="6" name="Title 1">
+            <a:extLst>
+              <a:ext uri="{FF2B5EF4-FFF2-40B4-BE49-F238E27FC236}">
+                <a16:creationId xmlns:a16="http://schemas.microsoft.com/office/drawing/2014/main" id="{214CB2F9-D121-40BD-BD70-471F5AEA20C0}"/>
+              </a:ext>
+            </a:extLst>
+          </p:cNvPr>
+          <p:cNvSpPr txBox="1">
+            <a:spLocks/>
+          </p:cNvSpPr>
+          <p:nvPr/>
+        </p:nvSpPr>
+        <p:spPr>
+          <a:xfrm>
+            <a:off x="1295402" y="794844"/>
+            <a:ext cx="9601196" cy="452065"/>
+          </a:xfrm>
+          <a:prstGeom prst="rect">
+            <a:avLst/>
+          </a:prstGeom>
+        </p:spPr>
+        <p:txBody>
+          <a:bodyPr>
+            <a:noAutofit/>
+          </a:bodyPr>
+          <a:lstStyle>
+            <a:lvl1pPr algn="ctr" defTabSz="457200" rtl="0" eaLnBrk="1" latinLnBrk="0" hangingPunct="1">
+              <a:spcBef>
+                <a:spcPct val="0"/>
+              </a:spcBef>
+              <a:buNone/>
+              <a:defRPr sz="4400" kern="1200" cap="none">
+                <a:ln w="3175" cmpd="sng">
+                  <a:noFill/>
+                </a:ln>
+                <a:solidFill>
+                  <a:schemeClr val="tx1">
+                    <a:lumMod val="85000"/>
+                    <a:lumOff val="15000"/>
+                  </a:schemeClr>
+                </a:solidFill>
+                <a:effectLst/>
+                <a:latin typeface="+mj-lt"/>
+                <a:ea typeface="+mj-ea"/>
+                <a:cs typeface="+mj-cs"/>
+              </a:defRPr>
+            </a:lvl1pPr>
+            <a:lvl2pPr eaLnBrk="1" hangingPunct="1">
+              <a:defRPr>
+                <a:solidFill>
+                  <a:schemeClr val="tx2"/>
+                </a:solidFill>
+              </a:defRPr>
+            </a:lvl2pPr>
+            <a:lvl3pPr eaLnBrk="1" hangingPunct="1">
+              <a:defRPr>
+                <a:solidFill>
+                  <a:schemeClr val="tx2"/>
+                </a:solidFill>
+              </a:defRPr>
+            </a:lvl3pPr>
+            <a:lvl4pPr eaLnBrk="1" hangingPunct="1">
+              <a:defRPr>
+                <a:solidFill>
+                  <a:schemeClr val="tx2"/>
+                </a:solidFill>
+              </a:defRPr>
+            </a:lvl4pPr>
+            <a:lvl5pPr eaLnBrk="1" hangingPunct="1">
+              <a:defRPr>
+                <a:solidFill>
+                  <a:schemeClr val="tx2"/>
+                </a:solidFill>
+              </a:defRPr>
+            </a:lvl5pPr>
+            <a:lvl6pPr eaLnBrk="1" hangingPunct="1">
+              <a:defRPr>
+                <a:solidFill>
+                  <a:schemeClr val="tx2"/>
+                </a:solidFill>
+              </a:defRPr>
+            </a:lvl6pPr>
+            <a:lvl7pPr eaLnBrk="1" hangingPunct="1">
+              <a:defRPr>
+                <a:solidFill>
+                  <a:schemeClr val="tx2"/>
+                </a:solidFill>
+              </a:defRPr>
+            </a:lvl7pPr>
+            <a:lvl8pPr eaLnBrk="1" hangingPunct="1">
+              <a:defRPr>
+                <a:solidFill>
+                  <a:schemeClr val="tx2"/>
+                </a:solidFill>
+              </a:defRPr>
+            </a:lvl8pPr>
+            <a:lvl9pPr eaLnBrk="1" hangingPunct="1">
+              <a:defRPr>
+                <a:solidFill>
+                  <a:schemeClr val="tx2"/>
+                </a:solidFill>
+              </a:defRPr>
+            </a:lvl9pPr>
+          </a:lstStyle>
+          <a:p>
+            <a:r>
+              <a:rPr lang="en-US" sz="2400" dirty="0"/>
+              <a:t>Last Six Observations</a:t>
+            </a:r>
+          </a:p>
+        </p:txBody>
+      </p:sp>
       <p:graphicFrame>
         <p:nvGraphicFramePr>
-          <p:cNvPr id="2" name="Table 1">
+          <p:cNvPr id="4" name="Table 3">
             <a:extLst>
               <a:ext uri="{FF2B5EF4-FFF2-40B4-BE49-F238E27FC236}">
-                <a16:creationId xmlns:a16="http://schemas.microsoft.com/office/drawing/2014/main" id="{18CE85D5-A536-4D6B-944C-738C86F52977}"/>
+                <a16:creationId xmlns:a16="http://schemas.microsoft.com/office/drawing/2014/main" id="{F123308A-59AD-4E56-BB50-54788C2AB176}"/>
               </a:ext>
             </a:extLst>
           </p:cNvPr>
@@ -9577,14 +11417,14 @@
           <p:nvPr>
             <p:extLst>
               <p:ext uri="{D42A27DB-BD31-4B8C-83A1-F6EECF244321}">
-                <p14:modId xmlns:p14="http://schemas.microsoft.com/office/powerpoint/2010/main" val="1466099680"/>
+                <p14:modId xmlns:p14="http://schemas.microsoft.com/office/powerpoint/2010/main" val="2752268035"/>
               </p:ext>
             </p:extLst>
           </p:nvPr>
         </p:nvGraphicFramePr>
         <p:xfrm>
-          <a:off x="667130" y="1402080"/>
-          <a:ext cx="10857740" cy="4907280"/>
+          <a:off x="667130" y="1295400"/>
+          <a:ext cx="10857740" cy="4267200"/>
         </p:xfrm>
         <a:graphic>
           <a:graphicData uri="http://schemas.openxmlformats.org/drawingml/2006/table">
@@ -9600,14 +11440,14 @@
                     </a:ext>
                   </a:extLst>
                 </a:gridCol>
-                <a:gridCol w="1085774">
+                <a:gridCol w="1188600">
                   <a:extLst>
                     <a:ext uri="{9D8B030D-6E8A-4147-A177-3AD203B41FA5}">
                       <a16:colId xmlns:a16="http://schemas.microsoft.com/office/drawing/2014/main" val="2211153453"/>
                     </a:ext>
                   </a:extLst>
                 </a:gridCol>
-                <a:gridCol w="1085774">
+                <a:gridCol w="982948">
                   <a:extLst>
                     <a:ext uri="{9D8B030D-6E8A-4147-A177-3AD203B41FA5}">
                       <a16:colId xmlns:a16="http://schemas.microsoft.com/office/drawing/2014/main" val="3466258242"/>
@@ -9642,21 +11482,21 @@
                     </a:ext>
                   </a:extLst>
                 </a:gridCol>
-                <a:gridCol w="1085774">
+                <a:gridCol w="1151874">
                   <a:extLst>
                     <a:ext uri="{9D8B030D-6E8A-4147-A177-3AD203B41FA5}">
                       <a16:colId xmlns:a16="http://schemas.microsoft.com/office/drawing/2014/main" val="728328690"/>
                     </a:ext>
                   </a:extLst>
                 </a:gridCol>
-                <a:gridCol w="1085774">
+                <a:gridCol w="1046602">
                   <a:extLst>
                     <a:ext uri="{9D8B030D-6E8A-4147-A177-3AD203B41FA5}">
                       <a16:colId xmlns:a16="http://schemas.microsoft.com/office/drawing/2014/main" val="2816348373"/>
                     </a:ext>
                   </a:extLst>
                 </a:gridCol>
-                <a:gridCol w="1085774">
+                <a:gridCol w="1058846">
                   <a:extLst>
                     <a:ext uri="{9D8B030D-6E8A-4147-A177-3AD203B41FA5}">
                       <a16:colId xmlns:a16="http://schemas.microsoft.com/office/drawing/2014/main" val="1549205794"/>
@@ -9891,13 +11731,7 @@
                         <a:rPr lang="en-US" sz="1400" dirty="0">
                           <a:effectLst/>
                         </a:rPr>
-                        <a:t>German </a:t>
-                      </a:r>
-                      <a:r>
-                        <a:rPr lang="en-US" sz="1400" dirty="0" err="1">
-                          <a:effectLst/>
-                        </a:rPr>
-                        <a:t>Pilsener</a:t>
+                        <a:t>German Pilsener</a:t>
                       </a:r>
                       <a:endParaRPr lang="en-US" sz="1400" dirty="0"/>
                     </a:p>
@@ -9991,22 +11825,10 @@
                     <a:lstStyle/>
                     <a:p>
                       <a:r>
-                        <a:rPr lang="en-US" sz="1400" dirty="0" err="1">
-                          <a:effectLst/>
-                        </a:rPr>
-                        <a:t>Heinnieweisse</a:t>
-                      </a:r>
-                      <a:r>
                         <a:rPr lang="en-US" sz="1400" dirty="0">
                           <a:effectLst/>
                         </a:rPr>
-                        <a:t> </a:t>
-                      </a:r>
-                      <a:r>
-                        <a:rPr lang="en-US" sz="1400" dirty="0" err="1">
-                          <a:effectLst/>
-                        </a:rPr>
-                        <a:t>Weissebier</a:t>
+                        <a:t>Heinnieweisse Weissebier</a:t>
                       </a:r>
                       <a:endParaRPr lang="en-US" sz="1400" dirty="0"/>
                     </a:p>
@@ -10120,7 +11942,7 @@
                     <a:lstStyle/>
                     <a:p>
                       <a:r>
-                        <a:rPr lang="en-US" sz="1400" dirty="0" err="1">
+                        <a:rPr lang="en-US" sz="1400" dirty="0">
                           <a:effectLst/>
                         </a:rPr>
                         <a:t>Garrattsville</a:t>
@@ -10172,16 +11994,10 @@
                     <a:lstStyle/>
                     <a:p>
                       <a:r>
-                        <a:rPr lang="en-US" sz="1400" dirty="0" err="1">
-                          <a:effectLst/>
-                        </a:rPr>
-                        <a:t>Snapperhead</a:t>
-                      </a:r>
-                      <a:r>
                         <a:rPr lang="en-US" sz="1400" dirty="0">
                           <a:effectLst/>
                         </a:rPr>
-                        <a:t> IPA</a:t>
+                        <a:t>Snapperhead IPA</a:t>
                       </a:r>
                       <a:endParaRPr lang="en-US" sz="1400" dirty="0"/>
                     </a:p>
@@ -10295,7 +12111,7 @@
                     <a:lstStyle/>
                     <a:p>
                       <a:r>
-                        <a:rPr lang="en-US" sz="1400" dirty="0" err="1">
+                        <a:rPr lang="en-US" sz="1400" dirty="0">
                           <a:effectLst/>
                         </a:rPr>
                         <a:t>Garrattsville</a:t>
@@ -10464,7 +12280,7 @@
                     <a:lstStyle/>
                     <a:p>
                       <a:r>
-                        <a:rPr lang="en-US" sz="1400" dirty="0" err="1">
+                        <a:rPr lang="en-US" sz="1400" dirty="0">
                           <a:effectLst/>
                         </a:rPr>
                         <a:t>Garrattsville</a:t>
@@ -10516,16 +12332,10 @@
                     <a:lstStyle/>
                     <a:p>
                       <a:r>
-                        <a:rPr lang="en-US" sz="1400" dirty="0" err="1">
-                          <a:effectLst/>
-                        </a:rPr>
-                        <a:t>Porkslap</a:t>
-                      </a:r>
-                      <a:r>
                         <a:rPr lang="en-US" sz="1400" dirty="0">
                           <a:effectLst/>
                         </a:rPr>
-                        <a:t> Pale Ale</a:t>
+                        <a:t>Porkslap Pale Ale</a:t>
                       </a:r>
                       <a:endParaRPr lang="en-US" sz="1400" dirty="0"/>
                     </a:p>
@@ -10639,7 +12449,7 @@
                     <a:lstStyle/>
                     <a:p>
                       <a:r>
-                        <a:rPr lang="en-US" sz="1400" dirty="0" err="1">
+                        <a:rPr lang="en-US" sz="1400" dirty="0">
                           <a:effectLst/>
                         </a:rPr>
                         <a:t>Garrattsville</a:t>
@@ -10824,10 +12634,9 @@
                     <a:lstStyle/>
                     <a:p>
                       <a:r>
-                        <a:rPr lang="en-US" sz="1400"/>
+                        <a:rPr lang="en-US" sz="1400" dirty="0"/>
                         <a:t>AK</a:t>
                       </a:r>
-                      <a:endParaRPr lang="en-US" sz="1400" dirty="0"/>
                     </a:p>
                   </a:txBody>
                   <a:tcPr/>
@@ -10845,7 +12654,7 @@
     </p:spTree>
     <p:extLst>
       <p:ext uri="{BB962C8B-B14F-4D97-AF65-F5344CB8AC3E}">
-        <p14:creationId xmlns:p14="http://schemas.microsoft.com/office/powerpoint/2010/main" val="1669311581"/>
+        <p14:creationId xmlns:p14="http://schemas.microsoft.com/office/powerpoint/2010/main" val="83958707"/>
       </p:ext>
     </p:extLst>
   </p:cSld>
@@ -10855,7 +12664,7 @@
 </p:sld>
 </file>
 
-<file path=ppt/slides/slide8.xml><?xml version="1.0" encoding="utf-8"?>
+<file path=ppt/slides/slide9.xml><?xml version="1.0" encoding="utf-8"?>
 <p:sld xmlns:a="http://schemas.openxmlformats.org/drawingml/2006/main" xmlns:r="http://schemas.openxmlformats.org/officeDocument/2006/relationships" xmlns:p="http://schemas.openxmlformats.org/presentationml/2006/main">
   <p:cSld>
     <p:spTree>
@@ -10890,12 +12699,14 @@
         </p:nvSpPr>
         <p:spPr/>
         <p:txBody>
-          <a:bodyPr/>
+          <a:bodyPr>
+            <a:normAutofit/>
+          </a:bodyPr>
           <a:lstStyle/>
           <a:p>
             <a:r>
-              <a:rPr lang="en-US" dirty="0"/>
-              <a:t>3. Report the number of NA's in each column.</a:t>
+              <a:rPr lang="en-US" sz="4000" dirty="0"/>
+              <a:t>What is the number of NA's in each column?</a:t>
             </a:r>
           </a:p>
         </p:txBody>
@@ -10904,434 +12715,6 @@
     <p:extLst>
       <p:ext uri="{BB962C8B-B14F-4D97-AF65-F5344CB8AC3E}">
         <p14:creationId xmlns:p14="http://schemas.microsoft.com/office/powerpoint/2010/main" val="1777987003"/>
-      </p:ext>
-    </p:extLst>
-  </p:cSld>
-  <p:clrMapOvr>
-    <a:masterClrMapping/>
-  </p:clrMapOvr>
-</p:sld>
-</file>
-
-<file path=ppt/slides/slide9.xml><?xml version="1.0" encoding="utf-8"?>
-<p:sld xmlns:a="http://schemas.openxmlformats.org/drawingml/2006/main" xmlns:r="http://schemas.openxmlformats.org/officeDocument/2006/relationships" xmlns:p="http://schemas.openxmlformats.org/presentationml/2006/main">
-  <p:cSld>
-    <p:spTree>
-      <p:nvGrpSpPr>
-        <p:cNvPr id="1" name=""/>
-        <p:cNvGrpSpPr/>
-        <p:nvPr/>
-      </p:nvGrpSpPr>
-      <p:grpSpPr>
-        <a:xfrm>
-          <a:off x="0" y="0"/>
-          <a:ext cx="0" cy="0"/>
-          <a:chOff x="0" y="0"/>
-          <a:chExt cx="0" cy="0"/>
-        </a:xfrm>
-      </p:grpSpPr>
-      <p:graphicFrame>
-        <p:nvGraphicFramePr>
-          <p:cNvPr id="2" name="Table 1">
-            <a:extLst>
-              <a:ext uri="{FF2B5EF4-FFF2-40B4-BE49-F238E27FC236}">
-                <a16:creationId xmlns:a16="http://schemas.microsoft.com/office/drawing/2014/main" id="{66A113AA-9811-4636-B308-67E682A63ABD}"/>
-              </a:ext>
-            </a:extLst>
-          </p:cNvPr>
-          <p:cNvGraphicFramePr>
-            <a:graphicFrameLocks noGrp="1"/>
-          </p:cNvGraphicFramePr>
-          <p:nvPr>
-            <p:extLst>
-              <p:ext uri="{D42A27DB-BD31-4B8C-83A1-F6EECF244321}">
-                <p14:modId xmlns:p14="http://schemas.microsoft.com/office/powerpoint/2010/main" val="2748822253"/>
-              </p:ext>
-            </p:extLst>
-          </p:nvPr>
-        </p:nvGraphicFramePr>
-        <p:xfrm>
-          <a:off x="667130" y="1402080"/>
-          <a:ext cx="10857740" cy="889000"/>
-        </p:xfrm>
-        <a:graphic>
-          <a:graphicData uri="http://schemas.openxmlformats.org/drawingml/2006/table">
-            <a:tbl>
-              <a:tblPr firstRow="1" bandRow="1">
-                <a:tableStyleId>{5C22544A-7EE6-4342-B048-85BDC9FD1C3A}</a:tableStyleId>
-              </a:tblPr>
-              <a:tblGrid>
-                <a:gridCol w="1085774">
-                  <a:extLst>
-                    <a:ext uri="{9D8B030D-6E8A-4147-A177-3AD203B41FA5}">
-                      <a16:colId xmlns:a16="http://schemas.microsoft.com/office/drawing/2014/main" val="2566030041"/>
-                    </a:ext>
-                  </a:extLst>
-                </a:gridCol>
-                <a:gridCol w="1085774">
-                  <a:extLst>
-                    <a:ext uri="{9D8B030D-6E8A-4147-A177-3AD203B41FA5}">
-                      <a16:colId xmlns:a16="http://schemas.microsoft.com/office/drawing/2014/main" val="2211153453"/>
-                    </a:ext>
-                  </a:extLst>
-                </a:gridCol>
-                <a:gridCol w="1085774">
-                  <a:extLst>
-                    <a:ext uri="{9D8B030D-6E8A-4147-A177-3AD203B41FA5}">
-                      <a16:colId xmlns:a16="http://schemas.microsoft.com/office/drawing/2014/main" val="3466258242"/>
-                    </a:ext>
-                  </a:extLst>
-                </a:gridCol>
-                <a:gridCol w="1085774">
-                  <a:extLst>
-                    <a:ext uri="{9D8B030D-6E8A-4147-A177-3AD203B41FA5}">
-                      <a16:colId xmlns:a16="http://schemas.microsoft.com/office/drawing/2014/main" val="909274690"/>
-                    </a:ext>
-                  </a:extLst>
-                </a:gridCol>
-                <a:gridCol w="1085774">
-                  <a:extLst>
-                    <a:ext uri="{9D8B030D-6E8A-4147-A177-3AD203B41FA5}">
-                      <a16:colId xmlns:a16="http://schemas.microsoft.com/office/drawing/2014/main" val="99248468"/>
-                    </a:ext>
-                  </a:extLst>
-                </a:gridCol>
-                <a:gridCol w="1085774">
-                  <a:extLst>
-                    <a:ext uri="{9D8B030D-6E8A-4147-A177-3AD203B41FA5}">
-                      <a16:colId xmlns:a16="http://schemas.microsoft.com/office/drawing/2014/main" val="3763139794"/>
-                    </a:ext>
-                  </a:extLst>
-                </a:gridCol>
-                <a:gridCol w="1085774">
-                  <a:extLst>
-                    <a:ext uri="{9D8B030D-6E8A-4147-A177-3AD203B41FA5}">
-                      <a16:colId xmlns:a16="http://schemas.microsoft.com/office/drawing/2014/main" val="1661038780"/>
-                    </a:ext>
-                  </a:extLst>
-                </a:gridCol>
-                <a:gridCol w="1085774">
-                  <a:extLst>
-                    <a:ext uri="{9D8B030D-6E8A-4147-A177-3AD203B41FA5}">
-                      <a16:colId xmlns:a16="http://schemas.microsoft.com/office/drawing/2014/main" val="728328690"/>
-                    </a:ext>
-                  </a:extLst>
-                </a:gridCol>
-                <a:gridCol w="1085774">
-                  <a:extLst>
-                    <a:ext uri="{9D8B030D-6E8A-4147-A177-3AD203B41FA5}">
-                      <a16:colId xmlns:a16="http://schemas.microsoft.com/office/drawing/2014/main" val="2816348373"/>
-                    </a:ext>
-                  </a:extLst>
-                </a:gridCol>
-                <a:gridCol w="1085774">
-                  <a:extLst>
-                    <a:ext uri="{9D8B030D-6E8A-4147-A177-3AD203B41FA5}">
-                      <a16:colId xmlns:a16="http://schemas.microsoft.com/office/drawing/2014/main" val="1549205794"/>
-                    </a:ext>
-                  </a:extLst>
-                </a:gridCol>
-              </a:tblGrid>
-              <a:tr h="370840">
-                <a:tc>
-                  <a:txBody>
-                    <a:bodyPr/>
-                    <a:lstStyle/>
-                    <a:p>
-                      <a:r>
-                        <a:rPr lang="en-US" sz="1400" dirty="0">
-                          <a:effectLst/>
-                        </a:rPr>
-                        <a:t>Brewery ID</a:t>
-                      </a:r>
-                      <a:endParaRPr lang="en-US" sz="1400" dirty="0"/>
-                    </a:p>
-                  </a:txBody>
-                  <a:tcPr/>
-                </a:tc>
-                <a:tc>
-                  <a:txBody>
-                    <a:bodyPr/>
-                    <a:lstStyle/>
-                    <a:p>
-                      <a:r>
-                        <a:rPr lang="en-US" sz="1400" dirty="0">
-                          <a:effectLst/>
-                        </a:rPr>
-                        <a:t>Beer Name</a:t>
-                      </a:r>
-                      <a:endParaRPr lang="en-US" sz="1400" dirty="0"/>
-                    </a:p>
-                  </a:txBody>
-                  <a:tcPr/>
-                </a:tc>
-                <a:tc>
-                  <a:txBody>
-                    <a:bodyPr/>
-                    <a:lstStyle/>
-                    <a:p>
-                      <a:r>
-                        <a:rPr lang="en-US" sz="1400" dirty="0"/>
-                        <a:t>Beer ID</a:t>
-                      </a:r>
-                    </a:p>
-                  </a:txBody>
-                  <a:tcPr/>
-                </a:tc>
-                <a:tc>
-                  <a:txBody>
-                    <a:bodyPr/>
-                    <a:lstStyle/>
-                    <a:p>
-                      <a:r>
-                        <a:rPr lang="en-US" sz="1400" dirty="0"/>
-                        <a:t>ABV</a:t>
-                      </a:r>
-                    </a:p>
-                  </a:txBody>
-                  <a:tcPr/>
-                </a:tc>
-                <a:tc>
-                  <a:txBody>
-                    <a:bodyPr/>
-                    <a:lstStyle/>
-                    <a:p>
-                      <a:r>
-                        <a:rPr lang="en-US" sz="1400" dirty="0"/>
-                        <a:t>IBU</a:t>
-                      </a:r>
-                    </a:p>
-                  </a:txBody>
-                  <a:tcPr/>
-                </a:tc>
-                <a:tc>
-                  <a:txBody>
-                    <a:bodyPr/>
-                    <a:lstStyle/>
-                    <a:p>
-                      <a:r>
-                        <a:rPr lang="en-US" sz="1400" dirty="0"/>
-                        <a:t>Style</a:t>
-                      </a:r>
-                    </a:p>
-                  </a:txBody>
-                  <a:tcPr/>
-                </a:tc>
-                <a:tc>
-                  <a:txBody>
-                    <a:bodyPr/>
-                    <a:lstStyle/>
-                    <a:p>
-                      <a:r>
-                        <a:rPr lang="en-US" sz="1400" dirty="0"/>
-                        <a:t>Ounces</a:t>
-                      </a:r>
-                    </a:p>
-                  </a:txBody>
-                  <a:tcPr/>
-                </a:tc>
-                <a:tc>
-                  <a:txBody>
-                    <a:bodyPr/>
-                    <a:lstStyle/>
-                    <a:p>
-                      <a:r>
-                        <a:rPr lang="en-US" sz="1400" dirty="0"/>
-                        <a:t>Brewery Name</a:t>
-                      </a:r>
-                    </a:p>
-                  </a:txBody>
-                  <a:tcPr/>
-                </a:tc>
-                <a:tc>
-                  <a:txBody>
-                    <a:bodyPr/>
-                    <a:lstStyle/>
-                    <a:p>
-                      <a:r>
-                        <a:rPr lang="en-US" sz="1400" dirty="0"/>
-                        <a:t>City</a:t>
-                      </a:r>
-                    </a:p>
-                  </a:txBody>
-                  <a:tcPr/>
-                </a:tc>
-                <a:tc>
-                  <a:txBody>
-                    <a:bodyPr/>
-                    <a:lstStyle/>
-                    <a:p>
-                      <a:r>
-                        <a:rPr lang="en-US" sz="1400" dirty="0"/>
-                        <a:t>State</a:t>
-                      </a:r>
-                    </a:p>
-                  </a:txBody>
-                  <a:tcPr/>
-                </a:tc>
-                <a:extLst>
-                  <a:ext uri="{0D108BD9-81ED-4DB2-BD59-A6C34878D82A}">
-                    <a16:rowId xmlns:a16="http://schemas.microsoft.com/office/drawing/2014/main" val="4135519385"/>
-                  </a:ext>
-                </a:extLst>
-              </a:tr>
-              <a:tr h="370840">
-                <a:tc>
-                  <a:txBody>
-                    <a:bodyPr/>
-                    <a:lstStyle/>
-                    <a:p>
-                      <a:r>
-                        <a:rPr lang="en-US" sz="1400" dirty="0"/>
-                        <a:t>0</a:t>
-                      </a:r>
-                    </a:p>
-                  </a:txBody>
-                  <a:tcPr/>
-                </a:tc>
-                <a:tc>
-                  <a:txBody>
-                    <a:bodyPr/>
-                    <a:lstStyle/>
-                    <a:p>
-                      <a:r>
-                        <a:rPr lang="en-US" sz="1400" dirty="0"/>
-                        <a:t>0</a:t>
-                      </a:r>
-                    </a:p>
-                  </a:txBody>
-                  <a:tcPr/>
-                </a:tc>
-                <a:tc>
-                  <a:txBody>
-                    <a:bodyPr/>
-                    <a:lstStyle/>
-                    <a:p>
-                      <a:r>
-                        <a:rPr lang="en-US" sz="1400" dirty="0"/>
-                        <a:t>0</a:t>
-                      </a:r>
-                    </a:p>
-                  </a:txBody>
-                  <a:tcPr/>
-                </a:tc>
-                <a:tc>
-                  <a:txBody>
-                    <a:bodyPr/>
-                    <a:lstStyle/>
-                    <a:p>
-                      <a:r>
-                        <a:rPr lang="en-US" sz="1400" dirty="0"/>
-                        <a:t>62</a:t>
-                      </a:r>
-                    </a:p>
-                  </a:txBody>
-                  <a:tcPr/>
-                </a:tc>
-                <a:tc>
-                  <a:txBody>
-                    <a:bodyPr/>
-                    <a:lstStyle/>
-                    <a:p>
-                      <a:r>
-                        <a:rPr lang="en-US" sz="1400" dirty="0">
-                          <a:effectLst/>
-                        </a:rPr>
-                        <a:t>1005</a:t>
-                      </a:r>
-                      <a:endParaRPr lang="en-US" sz="1400" dirty="0"/>
-                    </a:p>
-                  </a:txBody>
-                  <a:tcPr/>
-                </a:tc>
-                <a:tc>
-                  <a:txBody>
-                    <a:bodyPr/>
-                    <a:lstStyle/>
-                    <a:p>
-                      <a:r>
-                        <a:rPr lang="en-US" sz="1400" dirty="0">
-                          <a:effectLst/>
-                        </a:rPr>
-                        <a:t>0</a:t>
-                      </a:r>
-                      <a:endParaRPr lang="en-US" sz="1400" dirty="0"/>
-                    </a:p>
-                  </a:txBody>
-                  <a:tcPr/>
-                </a:tc>
-                <a:tc>
-                  <a:txBody>
-                    <a:bodyPr/>
-                    <a:lstStyle/>
-                    <a:p>
-                      <a:r>
-                        <a:rPr lang="en-US" sz="1400" dirty="0">
-                          <a:effectLst/>
-                        </a:rPr>
-                        <a:t>0</a:t>
-                      </a:r>
-                      <a:endParaRPr lang="en-US" sz="1400" dirty="0"/>
-                    </a:p>
-                  </a:txBody>
-                  <a:tcPr/>
-                </a:tc>
-                <a:tc>
-                  <a:txBody>
-                    <a:bodyPr/>
-                    <a:lstStyle/>
-                    <a:p>
-                      <a:endParaRPr lang="en-US" sz="1400" dirty="0"/>
-                    </a:p>
-                  </a:txBody>
-                  <a:tcPr/>
-                </a:tc>
-                <a:tc>
-                  <a:txBody>
-                    <a:bodyPr/>
-                    <a:lstStyle/>
-                    <a:p>
-                      <a:r>
-                        <a:rPr lang="en-US" sz="1400" dirty="0">
-                          <a:effectLst/>
-                        </a:rPr>
-                        <a:t>0</a:t>
-                      </a:r>
-                      <a:endParaRPr lang="en-US" sz="1400" dirty="0"/>
-                    </a:p>
-                  </a:txBody>
-                  <a:tcPr/>
-                </a:tc>
-                <a:tc>
-                  <a:txBody>
-                    <a:bodyPr/>
-                    <a:lstStyle/>
-                    <a:p>
-                      <a:r>
-                        <a:rPr lang="en-US" sz="1400" dirty="0">
-                          <a:effectLst/>
-                        </a:rPr>
-                        <a:t>0</a:t>
-                      </a:r>
-                      <a:endParaRPr lang="en-US" sz="1400" dirty="0"/>
-                    </a:p>
-                  </a:txBody>
-                  <a:tcPr/>
-                </a:tc>
-                <a:extLst>
-                  <a:ext uri="{0D108BD9-81ED-4DB2-BD59-A6C34878D82A}">
-                    <a16:rowId xmlns:a16="http://schemas.microsoft.com/office/drawing/2014/main" val="3637558433"/>
-                  </a:ext>
-                </a:extLst>
-              </a:tr>
-            </a:tbl>
-          </a:graphicData>
-        </a:graphic>
-      </p:graphicFrame>
-    </p:spTree>
-    <p:extLst>
-      <p:ext uri="{BB962C8B-B14F-4D97-AF65-F5344CB8AC3E}">
-        <p14:creationId xmlns:p14="http://schemas.microsoft.com/office/powerpoint/2010/main" val="3881348419"/>
       </p:ext>
     </p:extLst>
   </p:cSld>
